--- a/CSV-presetation.pptx
+++ b/CSV-presetation.pptx
@@ -244,7 +244,7 @@
             <a:pPr rtl="0"/>
             <a:fld id="{DE49AB9B-E7D3-4223-999E-DD0AB523B367}" type="datetime1">
               <a:rPr lang="ru-RU" smtClean="0"/>
-              <a:t>21.03.2025</a:t>
+              <a:t>31.03.2025</a:t>
             </a:fld>
             <a:endParaRPr lang="ru-RU" dirty="0"/>
           </a:p>
@@ -425,7 +425,7 @@
             <a:fld id="{15C979AA-7A79-4F8D-88BA-637372435D29}" type="datetime1">
               <a:rPr lang="ru-RU" smtClean="0"/>
               <a:pPr/>
-              <a:t>21.03.2025</a:t>
+              <a:t>31.03.2025</a:t>
             </a:fld>
             <a:endParaRPr lang="ru-RU" dirty="0"/>
           </a:p>
@@ -1673,7 +1673,7 @@
             <a:pPr rtl="0"/>
             <a:fld id="{385DE2B2-9988-4BD4-ACE0-1927858BAE41}" type="datetime1">
               <a:rPr lang="ru-RU" noProof="0" smtClean="0"/>
-              <a:t>21.03.2025</a:t>
+              <a:t>31.03.2025</a:t>
             </a:fld>
             <a:endParaRPr lang="ru-RU" noProof="0" dirty="0"/>
           </a:p>
@@ -1850,7 +1850,7 @@
             <a:pPr rtl="0"/>
             <a:fld id="{2B0A469C-DBC5-49D7-876B-B121EB68C09A}" type="datetime1">
               <a:rPr lang="ru-RU" noProof="0" smtClean="0"/>
-              <a:t>21.03.2025</a:t>
+              <a:t>31.03.2025</a:t>
             </a:fld>
             <a:endParaRPr lang="ru-RU" noProof="0" dirty="0"/>
           </a:p>
@@ -2527,7 +2527,7 @@
             <a:pPr rtl="0"/>
             <a:fld id="{77236C5A-30BE-4583-B7BD-BA6E99F2953C}" type="datetime1">
               <a:rPr lang="ru-RU" noProof="0" smtClean="0"/>
-              <a:t>21.03.2025</a:t>
+              <a:t>31.03.2025</a:t>
             </a:fld>
             <a:endParaRPr lang="ru-RU" noProof="0" dirty="0"/>
           </a:p>
@@ -3465,7 +3465,7 @@
             <a:pPr rtl="0"/>
             <a:fld id="{F8EB5596-E111-4A5A-95F6-35EEBA3F3955}" type="datetime1">
               <a:rPr lang="ru-RU" noProof="0" smtClean="0"/>
-              <a:t>21.03.2025</a:t>
+              <a:t>31.03.2025</a:t>
             </a:fld>
             <a:endParaRPr lang="ru-RU" noProof="0" dirty="0"/>
           </a:p>
@@ -3975,7 +3975,7 @@
             <a:pPr rtl="0"/>
             <a:fld id="{2268391A-9235-42EF-BB7B-3BE4856211BB}" type="datetime1">
               <a:rPr lang="ru-RU" noProof="0" smtClean="0"/>
-              <a:t>21.03.2025</a:t>
+              <a:t>31.03.2025</a:t>
             </a:fld>
             <a:endParaRPr lang="ru-RU" noProof="0" dirty="0"/>
           </a:p>
@@ -4813,7 +4813,7 @@
             <a:pPr rtl="0"/>
             <a:fld id="{B2A87E09-EFEB-407F-8DA3-637406A2CB64}" type="datetime1">
               <a:rPr lang="ru-RU" noProof="0" smtClean="0"/>
-              <a:t>21.03.2025</a:t>
+              <a:t>31.03.2025</a:t>
             </a:fld>
             <a:endParaRPr lang="ru-RU" noProof="0" dirty="0"/>
           </a:p>
@@ -5256,7 +5256,7 @@
             <a:pPr rtl="0"/>
             <a:fld id="{9DD93FC1-A14C-489D-A5EC-3819CA202A5D}" type="datetime1">
               <a:rPr lang="ru-RU" noProof="0" smtClean="0"/>
-              <a:t>21.03.2025</a:t>
+              <a:t>31.03.2025</a:t>
             </a:fld>
             <a:endParaRPr lang="ru-RU" noProof="0" dirty="0"/>
           </a:p>
@@ -5631,7 +5631,7 @@
             <a:pPr rtl="0"/>
             <a:fld id="{00B1E9DB-8506-4576-BE63-BC56E7BF7B6F}" type="datetime1">
               <a:rPr lang="ru-RU" noProof="0" smtClean="0"/>
-              <a:t>21.03.2025</a:t>
+              <a:t>31.03.2025</a:t>
             </a:fld>
             <a:endParaRPr lang="ru-RU" noProof="0" dirty="0"/>
           </a:p>
@@ -6014,7 +6014,7 @@
             <a:pPr rtl="0"/>
             <a:fld id="{7E72E82D-99D2-44CF-BD19-CFF9243DD67A}" type="datetime1">
               <a:rPr lang="ru-RU" noProof="0" smtClean="0"/>
-              <a:t>21.03.2025</a:t>
+              <a:t>31.03.2025</a:t>
             </a:fld>
             <a:endParaRPr lang="ru-RU" noProof="0" dirty="0"/>
           </a:p>
@@ -6967,7 +6967,7 @@
             <a:pPr rtl="0"/>
             <a:fld id="{599E224A-A1C5-4488-B628-921AC1A06275}" type="datetime1">
               <a:rPr lang="ru-RU" noProof="0" smtClean="0"/>
-              <a:t>21.03.2025</a:t>
+              <a:t>31.03.2025</a:t>
             </a:fld>
             <a:endParaRPr lang="ru-RU" noProof="0" dirty="0"/>
           </a:p>
@@ -8686,7 +8686,7 @@
           <a:p>
             <a:fld id="{0DD89A25-D608-4E21-98AE-8C4176C6D63A}" type="datetime1">
               <a:rPr lang="ru-RU" noProof="0" smtClean="0"/>
-              <a:t>21.03.2025</a:t>
+              <a:t>31.03.2025</a:t>
             </a:fld>
             <a:endParaRPr lang="ru-RU" noProof="0" dirty="0"/>
           </a:p>
@@ -9488,6 +9488,64 @@
           </a:p>
         </p:txBody>
       </p:sp>
+      <p:sp>
+        <p:nvSpPr>
+          <p:cNvPr id="2" name="Прямоугольник 1">
+            <a:extLst>
+              <a:ext uri="{FF2B5EF4-FFF2-40B4-BE49-F238E27FC236}">
+                <a16:creationId xmlns:a16="http://schemas.microsoft.com/office/drawing/2014/main" id="{91AB3A02-7FC5-4530-AC5A-D2EDE60B5B78}"/>
+              </a:ext>
+            </a:extLst>
+          </p:cNvPr>
+          <p:cNvSpPr/>
+          <p:nvPr/>
+        </p:nvSpPr>
+        <p:spPr>
+          <a:xfrm>
+            <a:off x="0" y="6748369"/>
+            <a:ext cx="119063" cy="109630"/>
+          </a:xfrm>
+          <a:prstGeom prst="rect">
+            <a:avLst/>
+          </a:prstGeom>
+          <a:solidFill>
+            <a:schemeClr val="bg1"/>
+          </a:solidFill>
+          <a:ln>
+            <a:solidFill>
+              <a:schemeClr val="bg1"/>
+            </a:solidFill>
+          </a:ln>
+        </p:spPr>
+        <p:style>
+          <a:lnRef idx="2">
+            <a:schemeClr val="accent1">
+              <a:shade val="50000"/>
+            </a:schemeClr>
+          </a:lnRef>
+          <a:fillRef idx="1">
+            <a:schemeClr val="accent1"/>
+          </a:fillRef>
+          <a:effectRef idx="0">
+            <a:schemeClr val="accent1"/>
+          </a:effectRef>
+          <a:fontRef idx="minor">
+            <a:schemeClr val="lt1"/>
+          </a:fontRef>
+        </p:style>
+        <p:txBody>
+          <a:bodyPr rtlCol="0" anchor="ctr"/>
+          <a:lstStyle/>
+          <a:p>
+            <a:pPr algn="ctr"/>
+            <a:endParaRPr lang="ru-RU">
+              <a:solidFill>
+                <a:schemeClr val="bg1"/>
+              </a:solidFill>
+            </a:endParaRPr>
+          </a:p>
+        </p:txBody>
+      </p:sp>
     </p:spTree>
     <p:extLst>
       <p:ext uri="{BB962C8B-B14F-4D97-AF65-F5344CB8AC3E}">
@@ -9498,6 +9556,144 @@
   <p:clrMapOvr>
     <a:masterClrMapping/>
   </p:clrMapOvr>
+  <p:transition spd="slow">
+    <p:push dir="u"/>
+  </p:transition>
+  <p:timing>
+    <p:tnLst>
+      <p:par>
+        <p:cTn id="1" dur="indefinite" restart="never" nodeType="tmRoot">
+          <p:childTnLst>
+            <p:seq concurrent="1" nextAc="seek">
+              <p:cTn id="2" dur="indefinite" nodeType="mainSeq">
+                <p:childTnLst>
+                  <p:par>
+                    <p:cTn id="3" fill="hold">
+                      <p:stCondLst>
+                        <p:cond delay="indefinite"/>
+                        <p:cond evt="onBegin" delay="0">
+                          <p:tn val="2"/>
+                        </p:cond>
+                      </p:stCondLst>
+                      <p:childTnLst>
+                        <p:par>
+                          <p:cTn id="4" fill="hold">
+                            <p:stCondLst>
+                              <p:cond delay="0"/>
+                            </p:stCondLst>
+                            <p:childTnLst>
+                              <p:par>
+                                <p:cTn id="5" presetID="45" presetClass="entr" presetSubtype="0" fill="hold" grpId="0" nodeType="withEffect">
+                                  <p:stCondLst>
+                                    <p:cond delay="0"/>
+                                  </p:stCondLst>
+                                  <p:childTnLst>
+                                    <p:set>
+                                      <p:cBhvr>
+                                        <p:cTn id="6" dur="1" fill="hold">
+                                          <p:stCondLst>
+                                            <p:cond delay="0"/>
+                                          </p:stCondLst>
+                                        </p:cTn>
+                                        <p:tgtEl>
+                                          <p:spTgt spid="2"/>
+                                        </p:tgtEl>
+                                        <p:attrNameLst>
+                                          <p:attrName>style.visibility</p:attrName>
+                                        </p:attrNameLst>
+                                      </p:cBhvr>
+                                      <p:to>
+                                        <p:strVal val="visible"/>
+                                      </p:to>
+                                    </p:set>
+                                    <p:animEffect transition="in" filter="fade">
+                                      <p:cBhvr>
+                                        <p:cTn id="7" dur="1000"/>
+                                        <p:tgtEl>
+                                          <p:spTgt spid="2"/>
+                                        </p:tgtEl>
+                                      </p:cBhvr>
+                                    </p:animEffect>
+                                    <p:anim calcmode="lin" valueType="num">
+                                      <p:cBhvr>
+                                        <p:cTn id="8" dur="1000" fill="hold"/>
+                                        <p:tgtEl>
+                                          <p:spTgt spid="2"/>
+                                        </p:tgtEl>
+                                        <p:attrNameLst>
+                                          <p:attrName>ppt_w</p:attrName>
+                                        </p:attrNameLst>
+                                      </p:cBhvr>
+                                      <p:tavLst>
+                                        <p:tav tm="0" fmla="#ppt_w*sin(2.5*pi*$)">
+                                          <p:val>
+                                            <p:fltVal val="0"/>
+                                          </p:val>
+                                        </p:tav>
+                                        <p:tav tm="100000">
+                                          <p:val>
+                                            <p:fltVal val="1"/>
+                                          </p:val>
+                                        </p:tav>
+                                      </p:tavLst>
+                                    </p:anim>
+                                    <p:anim calcmode="lin" valueType="num">
+                                      <p:cBhvr>
+                                        <p:cTn id="9" dur="1000" fill="hold"/>
+                                        <p:tgtEl>
+                                          <p:spTgt spid="2"/>
+                                        </p:tgtEl>
+                                        <p:attrNameLst>
+                                          <p:attrName>ppt_h</p:attrName>
+                                        </p:attrNameLst>
+                                      </p:cBhvr>
+                                      <p:tavLst>
+                                        <p:tav tm="0">
+                                          <p:val>
+                                            <p:strVal val="#ppt_h"/>
+                                          </p:val>
+                                        </p:tav>
+                                        <p:tav tm="100000">
+                                          <p:val>
+                                            <p:strVal val="#ppt_h"/>
+                                          </p:val>
+                                        </p:tav>
+                                      </p:tavLst>
+                                    </p:anim>
+                                  </p:childTnLst>
+                                </p:cTn>
+                              </p:par>
+                            </p:childTnLst>
+                          </p:cTn>
+                        </p:par>
+                      </p:childTnLst>
+                    </p:cTn>
+                  </p:par>
+                </p:childTnLst>
+              </p:cTn>
+              <p:prevCondLst>
+                <p:cond evt="onPrev" delay="0">
+                  <p:tgtEl>
+                    <p:sldTgt/>
+                  </p:tgtEl>
+                </p:cond>
+              </p:prevCondLst>
+              <p:nextCondLst>
+                <p:cond evt="onNext" delay="0">
+                  <p:tgtEl>
+                    <p:sldTgt/>
+                  </p:tgtEl>
+                </p:cond>
+              </p:nextCondLst>
+            </p:seq>
+          </p:childTnLst>
+        </p:cTn>
+      </p:par>
+    </p:tnLst>
+    <p:bldLst>
+      <p:bldP spid="2" grpId="0" animBg="1"/>
+    </p:bldLst>
+  </p:timing>
 </p:sld>
 </file>
 
@@ -9626,7 +9822,7 @@
         </p:spPr>
         <p:txBody>
           <a:bodyPr>
-            <a:normAutofit fontScale="92500" lnSpcReduction="10000"/>
+            <a:normAutofit/>
           </a:bodyPr>
           <a:lstStyle/>
           <a:p>
@@ -9645,86 +9841,6 @@
           </a:p>
           <a:p>
             <a:r>
-              <a:rPr lang="en-US" sz="2400" dirty="0"/>
-              <a:t>  </a:t>
-            </a:r>
-            <a:r>
-              <a:rPr lang="ru-RU" sz="2400" dirty="0"/>
-              <a:t>- mkrepo – создание репозитория  </a:t>
-            </a:r>
-          </a:p>
-          <a:p>
-            <a:r>
-              <a:rPr lang="en-US" sz="2400" dirty="0"/>
-              <a:t>  </a:t>
-            </a:r>
-            <a:r>
-              <a:rPr lang="ru-RU" sz="2400" dirty="0"/>
-              <a:t>- mkdata – создание базы данных  </a:t>
-            </a:r>
-          </a:p>
-          <a:p>
-            <a:r>
-              <a:rPr lang="en-US" sz="2400" dirty="0"/>
-              <a:t>  </a:t>
-            </a:r>
-            <a:r>
-              <a:rPr lang="ru-RU" sz="2400" dirty="0"/>
-              <a:t>- dir – просмотр файлов  </a:t>
-            </a:r>
-          </a:p>
-          <a:p>
-            <a:r>
-              <a:rPr lang="en-US" sz="2400" dirty="0"/>
-              <a:t>  </a:t>
-            </a:r>
-            <a:r>
-              <a:rPr lang="ru-RU" sz="2400" dirty="0"/>
-              <a:t>- save – сохранение файлов  </a:t>
-            </a:r>
-          </a:p>
-          <a:p>
-            <a:r>
-              <a:rPr lang="en-US" sz="2400" dirty="0"/>
-              <a:t>  </a:t>
-            </a:r>
-            <a:r>
-              <a:rPr lang="ru-RU" sz="2400" dirty="0"/>
-              <a:t>- load – загрузка файлов  </a:t>
-            </a:r>
-          </a:p>
-          <a:p>
-            <a:r>
-              <a:rPr lang="en-US" sz="2400" dirty="0"/>
-              <a:t>  </a:t>
-            </a:r>
-            <a:r>
-              <a:rPr lang="ru-RU" sz="2400" dirty="0"/>
-              <a:t>- info – информация о файлах  </a:t>
-            </a:r>
-          </a:p>
-          <a:p>
-            <a:r>
-              <a:rPr lang="en-US" sz="2400" dirty="0"/>
-              <a:t>  </a:t>
-            </a:r>
-            <a:r>
-              <a:rPr lang="ru-RU" sz="2400" dirty="0"/>
-              <a:t>- cls – очистка консоли  </a:t>
-            </a:r>
-          </a:p>
-          <a:p>
-            <a:r>
-              <a:rPr lang="en-US" sz="2400" dirty="0"/>
-              <a:t>  </a:t>
-            </a:r>
-            <a:r>
-              <a:rPr lang="ru-RU" sz="2400" dirty="0"/>
-              <a:t>- help – справка по командам</a:t>
-            </a:r>
-          </a:p>
-          <a:p>
-            <a:r>
               <a:rPr lang="ru-RU" sz="2400" dirty="0"/>
               <a:t>•</a:t>
             </a:r>
@@ -9741,10 +9857,10 @@
       </p:sp>
       <p:pic>
         <p:nvPicPr>
-          <p:cNvPr id="11" name="Рисунок 10">
-            <a:extLst>
-              <a:ext uri="{FF2B5EF4-FFF2-40B4-BE49-F238E27FC236}">
-                <a16:creationId xmlns:a16="http://schemas.microsoft.com/office/drawing/2014/main" id="{B4E8E3C6-A1F1-4915-AC9D-297B3F33426B}"/>
+          <p:cNvPr id="8" name="Рисунок 7">
+            <a:extLst>
+              <a:ext uri="{FF2B5EF4-FFF2-40B4-BE49-F238E27FC236}">
+                <a16:creationId xmlns:a16="http://schemas.microsoft.com/office/drawing/2014/main" id="{C83B8DF9-93FA-484C-9EE0-8402C23FB964}"/>
               </a:ext>
             </a:extLst>
           </p:cNvPr>
@@ -9779,6 +9895,446 @@
   <p:clrMapOvr>
     <a:masterClrMapping/>
   </p:clrMapOvr>
+  <p:transition spd="med">
+    <p:pull/>
+  </p:transition>
+  <p:timing>
+    <p:tnLst>
+      <p:par>
+        <p:cTn id="1" dur="indefinite" restart="never" nodeType="tmRoot">
+          <p:childTnLst>
+            <p:seq concurrent="1" nextAc="seek">
+              <p:cTn id="2" dur="indefinite" nodeType="mainSeq">
+                <p:childTnLst>
+                  <p:par>
+                    <p:cTn id="3" fill="hold">
+                      <p:stCondLst>
+                        <p:cond delay="indefinite"/>
+                        <p:cond evt="onBegin" delay="0">
+                          <p:tn val="2"/>
+                        </p:cond>
+                      </p:stCondLst>
+                      <p:childTnLst>
+                        <p:par>
+                          <p:cTn id="4" fill="hold">
+                            <p:stCondLst>
+                              <p:cond delay="0"/>
+                            </p:stCondLst>
+                            <p:childTnLst>
+                              <p:par>
+                                <p:cTn id="5" presetID="6" presetClass="emph" presetSubtype="0" repeatCount="indefinite" autoRev="1" fill="hold" nodeType="withEffect">
+                                  <p:stCondLst>
+                                    <p:cond delay="0"/>
+                                  </p:stCondLst>
+                                  <p:childTnLst>
+                                    <p:animScale>
+                                      <p:cBhvr>
+                                        <p:cTn id="6" dur="500" fill="hold"/>
+                                        <p:tgtEl>
+                                          <p:spTgt spid="8"/>
+                                        </p:tgtEl>
+                                      </p:cBhvr>
+                                      <p:by x="50000" y="50000"/>
+                                    </p:animScale>
+                                  </p:childTnLst>
+                                </p:cTn>
+                              </p:par>
+                              <p:par>
+                                <p:cTn id="7" presetID="53" presetClass="entr" presetSubtype="16" fill="hold" grpId="0" nodeType="withEffect">
+                                  <p:stCondLst>
+                                    <p:cond delay="0"/>
+                                  </p:stCondLst>
+                                  <p:childTnLst>
+                                    <p:set>
+                                      <p:cBhvr>
+                                        <p:cTn id="8" dur="1" fill="hold">
+                                          <p:stCondLst>
+                                            <p:cond delay="0"/>
+                                          </p:stCondLst>
+                                        </p:cTn>
+                                        <p:tgtEl>
+                                          <p:spTgt spid="3"/>
+                                        </p:tgtEl>
+                                        <p:attrNameLst>
+                                          <p:attrName>style.visibility</p:attrName>
+                                        </p:attrNameLst>
+                                      </p:cBhvr>
+                                      <p:to>
+                                        <p:strVal val="visible"/>
+                                      </p:to>
+                                    </p:set>
+                                    <p:anim calcmode="lin" valueType="num">
+                                      <p:cBhvr>
+                                        <p:cTn id="9" dur="500" fill="hold"/>
+                                        <p:tgtEl>
+                                          <p:spTgt spid="3"/>
+                                        </p:tgtEl>
+                                        <p:attrNameLst>
+                                          <p:attrName>ppt_w</p:attrName>
+                                        </p:attrNameLst>
+                                      </p:cBhvr>
+                                      <p:tavLst>
+                                        <p:tav tm="0">
+                                          <p:val>
+                                            <p:fltVal val="0"/>
+                                          </p:val>
+                                        </p:tav>
+                                        <p:tav tm="100000">
+                                          <p:val>
+                                            <p:strVal val="#ppt_w"/>
+                                          </p:val>
+                                        </p:tav>
+                                      </p:tavLst>
+                                    </p:anim>
+                                    <p:anim calcmode="lin" valueType="num">
+                                      <p:cBhvr>
+                                        <p:cTn id="10" dur="500" fill="hold"/>
+                                        <p:tgtEl>
+                                          <p:spTgt spid="3"/>
+                                        </p:tgtEl>
+                                        <p:attrNameLst>
+                                          <p:attrName>ppt_h</p:attrName>
+                                        </p:attrNameLst>
+                                      </p:cBhvr>
+                                      <p:tavLst>
+                                        <p:tav tm="0">
+                                          <p:val>
+                                            <p:fltVal val="0"/>
+                                          </p:val>
+                                        </p:tav>
+                                        <p:tav tm="100000">
+                                          <p:val>
+                                            <p:strVal val="#ppt_h"/>
+                                          </p:val>
+                                        </p:tav>
+                                      </p:tavLst>
+                                    </p:anim>
+                                    <p:animEffect transition="in" filter="fade">
+                                      <p:cBhvr>
+                                        <p:cTn id="11" dur="500"/>
+                                        <p:tgtEl>
+                                          <p:spTgt spid="3"/>
+                                        </p:tgtEl>
+                                      </p:cBhvr>
+                                    </p:animEffect>
+                                  </p:childTnLst>
+                                </p:cTn>
+                              </p:par>
+                              <p:par>
+                                <p:cTn id="12" presetID="31" presetClass="entr" presetSubtype="0" fill="hold" grpId="0" nodeType="withEffect">
+                                  <p:stCondLst>
+                                    <p:cond delay="0"/>
+                                  </p:stCondLst>
+                                  <p:childTnLst>
+                                    <p:set>
+                                      <p:cBhvr>
+                                        <p:cTn id="13" dur="1" fill="hold">
+                                          <p:stCondLst>
+                                            <p:cond delay="0"/>
+                                          </p:stCondLst>
+                                        </p:cTn>
+                                        <p:tgtEl>
+                                          <p:spTgt spid="10">
+                                            <p:txEl>
+                                              <p:pRg st="0" end="0"/>
+                                            </p:txEl>
+                                          </p:spTgt>
+                                        </p:tgtEl>
+                                        <p:attrNameLst>
+                                          <p:attrName>style.visibility</p:attrName>
+                                        </p:attrNameLst>
+                                      </p:cBhvr>
+                                      <p:to>
+                                        <p:strVal val="visible"/>
+                                      </p:to>
+                                    </p:set>
+                                    <p:anim calcmode="lin" valueType="num">
+                                      <p:cBhvr>
+                                        <p:cTn id="14" dur="1000" fill="hold"/>
+                                        <p:tgtEl>
+                                          <p:spTgt spid="10">
+                                            <p:txEl>
+                                              <p:pRg st="0" end="0"/>
+                                            </p:txEl>
+                                          </p:spTgt>
+                                        </p:tgtEl>
+                                        <p:attrNameLst>
+                                          <p:attrName>ppt_w</p:attrName>
+                                        </p:attrNameLst>
+                                      </p:cBhvr>
+                                      <p:tavLst>
+                                        <p:tav tm="0">
+                                          <p:val>
+                                            <p:fltVal val="0"/>
+                                          </p:val>
+                                        </p:tav>
+                                        <p:tav tm="100000">
+                                          <p:val>
+                                            <p:strVal val="#ppt_w"/>
+                                          </p:val>
+                                        </p:tav>
+                                      </p:tavLst>
+                                    </p:anim>
+                                    <p:anim calcmode="lin" valueType="num">
+                                      <p:cBhvr>
+                                        <p:cTn id="15" dur="1000" fill="hold"/>
+                                        <p:tgtEl>
+                                          <p:spTgt spid="10">
+                                            <p:txEl>
+                                              <p:pRg st="0" end="0"/>
+                                            </p:txEl>
+                                          </p:spTgt>
+                                        </p:tgtEl>
+                                        <p:attrNameLst>
+                                          <p:attrName>ppt_h</p:attrName>
+                                        </p:attrNameLst>
+                                      </p:cBhvr>
+                                      <p:tavLst>
+                                        <p:tav tm="0">
+                                          <p:val>
+                                            <p:fltVal val="0"/>
+                                          </p:val>
+                                        </p:tav>
+                                        <p:tav tm="100000">
+                                          <p:val>
+                                            <p:strVal val="#ppt_h"/>
+                                          </p:val>
+                                        </p:tav>
+                                      </p:tavLst>
+                                    </p:anim>
+                                    <p:anim calcmode="lin" valueType="num">
+                                      <p:cBhvr>
+                                        <p:cTn id="16" dur="1000" fill="hold"/>
+                                        <p:tgtEl>
+                                          <p:spTgt spid="10">
+                                            <p:txEl>
+                                              <p:pRg st="0" end="0"/>
+                                            </p:txEl>
+                                          </p:spTgt>
+                                        </p:tgtEl>
+                                        <p:attrNameLst>
+                                          <p:attrName>style.rotation</p:attrName>
+                                        </p:attrNameLst>
+                                      </p:cBhvr>
+                                      <p:tavLst>
+                                        <p:tav tm="0">
+                                          <p:val>
+                                            <p:fltVal val="90"/>
+                                          </p:val>
+                                        </p:tav>
+                                        <p:tav tm="100000">
+                                          <p:val>
+                                            <p:fltVal val="0"/>
+                                          </p:val>
+                                        </p:tav>
+                                      </p:tavLst>
+                                    </p:anim>
+                                    <p:animEffect transition="in" filter="fade">
+                                      <p:cBhvr>
+                                        <p:cTn id="17" dur="1000"/>
+                                        <p:tgtEl>
+                                          <p:spTgt spid="10">
+                                            <p:txEl>
+                                              <p:pRg st="0" end="0"/>
+                                            </p:txEl>
+                                          </p:spTgt>
+                                        </p:tgtEl>
+                                      </p:cBhvr>
+                                    </p:animEffect>
+                                  </p:childTnLst>
+                                </p:cTn>
+                              </p:par>
+                              <p:par>
+                                <p:cTn id="18" presetID="31" presetClass="entr" presetSubtype="0" fill="hold" grpId="0" nodeType="withEffect">
+                                  <p:stCondLst>
+                                    <p:cond delay="0"/>
+                                  </p:stCondLst>
+                                  <p:childTnLst>
+                                    <p:set>
+                                      <p:cBhvr>
+                                        <p:cTn id="19" dur="1" fill="hold">
+                                          <p:stCondLst>
+                                            <p:cond delay="0"/>
+                                          </p:stCondLst>
+                                        </p:cTn>
+                                        <p:tgtEl>
+                                          <p:spTgt spid="10">
+                                            <p:txEl>
+                                              <p:pRg st="1" end="1"/>
+                                            </p:txEl>
+                                          </p:spTgt>
+                                        </p:tgtEl>
+                                        <p:attrNameLst>
+                                          <p:attrName>style.visibility</p:attrName>
+                                        </p:attrNameLst>
+                                      </p:cBhvr>
+                                      <p:to>
+                                        <p:strVal val="visible"/>
+                                      </p:to>
+                                    </p:set>
+                                    <p:anim calcmode="lin" valueType="num">
+                                      <p:cBhvr>
+                                        <p:cTn id="20" dur="1000" fill="hold"/>
+                                        <p:tgtEl>
+                                          <p:spTgt spid="10">
+                                            <p:txEl>
+                                              <p:pRg st="1" end="1"/>
+                                            </p:txEl>
+                                          </p:spTgt>
+                                        </p:tgtEl>
+                                        <p:attrNameLst>
+                                          <p:attrName>ppt_w</p:attrName>
+                                        </p:attrNameLst>
+                                      </p:cBhvr>
+                                      <p:tavLst>
+                                        <p:tav tm="0">
+                                          <p:val>
+                                            <p:fltVal val="0"/>
+                                          </p:val>
+                                        </p:tav>
+                                        <p:tav tm="100000">
+                                          <p:val>
+                                            <p:strVal val="#ppt_w"/>
+                                          </p:val>
+                                        </p:tav>
+                                      </p:tavLst>
+                                    </p:anim>
+                                    <p:anim calcmode="lin" valueType="num">
+                                      <p:cBhvr>
+                                        <p:cTn id="21" dur="1000" fill="hold"/>
+                                        <p:tgtEl>
+                                          <p:spTgt spid="10">
+                                            <p:txEl>
+                                              <p:pRg st="1" end="1"/>
+                                            </p:txEl>
+                                          </p:spTgt>
+                                        </p:tgtEl>
+                                        <p:attrNameLst>
+                                          <p:attrName>ppt_h</p:attrName>
+                                        </p:attrNameLst>
+                                      </p:cBhvr>
+                                      <p:tavLst>
+                                        <p:tav tm="0">
+                                          <p:val>
+                                            <p:fltVal val="0"/>
+                                          </p:val>
+                                        </p:tav>
+                                        <p:tav tm="100000">
+                                          <p:val>
+                                            <p:strVal val="#ppt_h"/>
+                                          </p:val>
+                                        </p:tav>
+                                      </p:tavLst>
+                                    </p:anim>
+                                    <p:anim calcmode="lin" valueType="num">
+                                      <p:cBhvr>
+                                        <p:cTn id="22" dur="1000" fill="hold"/>
+                                        <p:tgtEl>
+                                          <p:spTgt spid="10">
+                                            <p:txEl>
+                                              <p:pRg st="1" end="1"/>
+                                            </p:txEl>
+                                          </p:spTgt>
+                                        </p:tgtEl>
+                                        <p:attrNameLst>
+                                          <p:attrName>style.rotation</p:attrName>
+                                        </p:attrNameLst>
+                                      </p:cBhvr>
+                                      <p:tavLst>
+                                        <p:tav tm="0">
+                                          <p:val>
+                                            <p:fltVal val="90"/>
+                                          </p:val>
+                                        </p:tav>
+                                        <p:tav tm="100000">
+                                          <p:val>
+                                            <p:fltVal val="0"/>
+                                          </p:val>
+                                        </p:tav>
+                                      </p:tavLst>
+                                    </p:anim>
+                                    <p:animEffect transition="in" filter="fade">
+                                      <p:cBhvr>
+                                        <p:cTn id="23" dur="1000"/>
+                                        <p:tgtEl>
+                                          <p:spTgt spid="10">
+                                            <p:txEl>
+                                              <p:pRg st="1" end="1"/>
+                                            </p:txEl>
+                                          </p:spTgt>
+                                        </p:tgtEl>
+                                      </p:cBhvr>
+                                    </p:animEffect>
+                                  </p:childTnLst>
+                                </p:cTn>
+                              </p:par>
+                              <p:par>
+                                <p:cTn id="24" presetID="16" presetClass="entr" presetSubtype="21" fill="hold" nodeType="withEffect">
+                                  <p:stCondLst>
+                                    <p:cond delay="0"/>
+                                  </p:stCondLst>
+                                  <p:childTnLst>
+                                    <p:set>
+                                      <p:cBhvr>
+                                        <p:cTn id="25" dur="1" fill="hold">
+                                          <p:stCondLst>
+                                            <p:cond delay="0"/>
+                                          </p:stCondLst>
+                                        </p:cTn>
+                                        <p:tgtEl>
+                                          <p:spTgt spid="7"/>
+                                        </p:tgtEl>
+                                        <p:attrNameLst>
+                                          <p:attrName>style.visibility</p:attrName>
+                                        </p:attrNameLst>
+                                      </p:cBhvr>
+                                      <p:to>
+                                        <p:strVal val="visible"/>
+                                      </p:to>
+                                    </p:set>
+                                    <p:animEffect transition="in" filter="barn(inVertical)">
+                                      <p:cBhvr>
+                                        <p:cTn id="26" dur="500"/>
+                                        <p:tgtEl>
+                                          <p:spTgt spid="7"/>
+                                        </p:tgtEl>
+                                      </p:cBhvr>
+                                    </p:animEffect>
+                                  </p:childTnLst>
+                                </p:cTn>
+                              </p:par>
+                            </p:childTnLst>
+                          </p:cTn>
+                        </p:par>
+                      </p:childTnLst>
+                    </p:cTn>
+                  </p:par>
+                </p:childTnLst>
+              </p:cTn>
+              <p:prevCondLst>
+                <p:cond evt="onPrev" delay="0">
+                  <p:tgtEl>
+                    <p:sldTgt/>
+                  </p:tgtEl>
+                </p:cond>
+              </p:prevCondLst>
+              <p:nextCondLst>
+                <p:cond evt="onNext" delay="0">
+                  <p:tgtEl>
+                    <p:sldTgt/>
+                  </p:tgtEl>
+                </p:cond>
+              </p:nextCondLst>
+            </p:seq>
+          </p:childTnLst>
+        </p:cTn>
+      </p:par>
+    </p:tnLst>
+    <p:bldLst>
+      <p:bldP spid="3" grpId="0" animBg="1"/>
+      <p:bldP spid="10" grpId="0" uiExpand="1" build="p"/>
+    </p:bldLst>
+  </p:timing>
 </p:sld>
 </file>
 
@@ -9872,31 +10428,7 @@
           <a:p>
             <a:r>
               <a:rPr lang="ru-RU" dirty="0"/>
-              <a:t>• Перед разработкой важно продумать терминал: доступные команды и цветовую схему. Команды должны быть понятными и запоминающимися, а цвета — удобными для восприятия.  </a:t>
-            </a:r>
-          </a:p>
-          <a:p>
-            <a:r>
-              <a:rPr lang="ru-RU" dirty="0"/>
-              <a:t>• Выбранные цвета:  </a:t>
-            </a:r>
-          </a:p>
-          <a:p>
-            <a:r>
-              <a:rPr lang="ru-RU" dirty="0"/>
-              <a:t>   - Темно-желтый – для строки ввода     (выделяет, но не напрягает глаза).  </a:t>
-            </a:r>
-          </a:p>
-          <a:p>
-            <a:r>
-              <a:rPr lang="ru-RU" dirty="0"/>
-              <a:t>   - Темно-зеленый – для команд и основного текста (классический терминальный цвет).  </a:t>
-            </a:r>
-          </a:p>
-          <a:p>
-            <a:r>
-              <a:rPr lang="ru-RU" dirty="0"/>
-              <a:t>   - Серый – для подсказок (незаметен при повторном использовании).  </a:t>
+              <a:t>• Перед разработкой важно продумать терминал.</a:t>
             </a:r>
           </a:p>
           <a:p>
@@ -9939,10 +10471,10 @@
       </p:pic>
       <p:pic>
         <p:nvPicPr>
-          <p:cNvPr id="10" name="Рисунок 9">
-            <a:extLst>
-              <a:ext uri="{FF2B5EF4-FFF2-40B4-BE49-F238E27FC236}">
-                <a16:creationId xmlns:a16="http://schemas.microsoft.com/office/drawing/2014/main" id="{14BB7673-AAA7-46E3-8908-DA3DC991046C}"/>
+          <p:cNvPr id="6" name="Рисунок 5">
+            <a:extLst>
+              <a:ext uri="{FF2B5EF4-FFF2-40B4-BE49-F238E27FC236}">
+                <a16:creationId xmlns:a16="http://schemas.microsoft.com/office/drawing/2014/main" id="{7DC824AF-9518-4766-A32F-4B307FB35F53}"/>
               </a:ext>
             </a:extLst>
           </p:cNvPr>
@@ -9977,6 +10509,355 @@
   <p:clrMapOvr>
     <a:masterClrMapping/>
   </p:clrMapOvr>
+  <mc:AlternateContent xmlns:mc="http://schemas.openxmlformats.org/markup-compatibility/2006">
+    <mc:Choice xmlns:p14="http://schemas.microsoft.com/office/powerpoint/2010/main" Requires="p14">
+      <p:transition spd="slow" p14:dur="3400">
+        <p14:reveal/>
+      </p:transition>
+    </mc:Choice>
+    <mc:Fallback>
+      <p:transition spd="slow">
+        <p:fade/>
+      </p:transition>
+    </mc:Fallback>
+  </mc:AlternateContent>
+  <p:timing>
+    <p:tnLst>
+      <p:par>
+        <p:cTn id="1" dur="indefinite" restart="never" nodeType="tmRoot">
+          <p:childTnLst>
+            <p:seq concurrent="1" nextAc="seek">
+              <p:cTn id="2" dur="indefinite" nodeType="mainSeq">
+                <p:childTnLst>
+                  <p:par>
+                    <p:cTn id="3" fill="hold">
+                      <p:stCondLst>
+                        <p:cond delay="indefinite"/>
+                        <p:cond evt="onBegin" delay="0">
+                          <p:tn val="2"/>
+                        </p:cond>
+                      </p:stCondLst>
+                      <p:childTnLst>
+                        <p:par>
+                          <p:cTn id="4" fill="hold">
+                            <p:stCondLst>
+                              <p:cond delay="0"/>
+                            </p:stCondLst>
+                            <p:childTnLst>
+                              <p:par>
+                                <p:cTn id="5" presetID="6" presetClass="emph" presetSubtype="0" repeatCount="indefinite" autoRev="1" fill="hold" nodeType="withEffect">
+                                  <p:stCondLst>
+                                    <p:cond delay="0"/>
+                                  </p:stCondLst>
+                                  <p:childTnLst>
+                                    <p:animScale>
+                                      <p:cBhvr>
+                                        <p:cTn id="6" dur="500" fill="hold"/>
+                                        <p:tgtEl>
+                                          <p:spTgt spid="6"/>
+                                        </p:tgtEl>
+                                      </p:cBhvr>
+                                      <p:by x="50000" y="50000"/>
+                                    </p:animScale>
+                                  </p:childTnLst>
+                                </p:cTn>
+                              </p:par>
+                              <p:par>
+                                <p:cTn id="7" presetID="21" presetClass="entr" presetSubtype="1" fill="hold" grpId="0" nodeType="withEffect">
+                                  <p:stCondLst>
+                                    <p:cond delay="0"/>
+                                  </p:stCondLst>
+                                  <p:childTnLst>
+                                    <p:set>
+                                      <p:cBhvr>
+                                        <p:cTn id="8" dur="1" fill="hold">
+                                          <p:stCondLst>
+                                            <p:cond delay="0"/>
+                                          </p:stCondLst>
+                                        </p:cTn>
+                                        <p:tgtEl>
+                                          <p:spTgt spid="3"/>
+                                        </p:tgtEl>
+                                        <p:attrNameLst>
+                                          <p:attrName>style.visibility</p:attrName>
+                                        </p:attrNameLst>
+                                      </p:cBhvr>
+                                      <p:to>
+                                        <p:strVal val="visible"/>
+                                      </p:to>
+                                    </p:set>
+                                    <p:animEffect transition="in" filter="wheel(1)">
+                                      <p:cBhvr>
+                                        <p:cTn id="9" dur="2000"/>
+                                        <p:tgtEl>
+                                          <p:spTgt spid="3"/>
+                                        </p:tgtEl>
+                                      </p:cBhvr>
+                                    </p:animEffect>
+                                  </p:childTnLst>
+                                </p:cTn>
+                              </p:par>
+                              <p:par>
+                                <p:cTn id="10" presetID="42" presetClass="entr" presetSubtype="0" fill="hold" grpId="0" nodeType="withEffect">
+                                  <p:stCondLst>
+                                    <p:cond delay="0"/>
+                                  </p:stCondLst>
+                                  <p:childTnLst>
+                                    <p:set>
+                                      <p:cBhvr>
+                                        <p:cTn id="11" dur="1" fill="hold">
+                                          <p:stCondLst>
+                                            <p:cond delay="0"/>
+                                          </p:stCondLst>
+                                        </p:cTn>
+                                        <p:tgtEl>
+                                          <p:spTgt spid="4">
+                                            <p:txEl>
+                                              <p:pRg st="0" end="0"/>
+                                            </p:txEl>
+                                          </p:spTgt>
+                                        </p:tgtEl>
+                                        <p:attrNameLst>
+                                          <p:attrName>style.visibility</p:attrName>
+                                        </p:attrNameLst>
+                                      </p:cBhvr>
+                                      <p:to>
+                                        <p:strVal val="visible"/>
+                                      </p:to>
+                                    </p:set>
+                                    <p:animEffect transition="in" filter="fade">
+                                      <p:cBhvr>
+                                        <p:cTn id="12" dur="1000"/>
+                                        <p:tgtEl>
+                                          <p:spTgt spid="4">
+                                            <p:txEl>
+                                              <p:pRg st="0" end="0"/>
+                                            </p:txEl>
+                                          </p:spTgt>
+                                        </p:tgtEl>
+                                      </p:cBhvr>
+                                    </p:animEffect>
+                                    <p:anim calcmode="lin" valueType="num">
+                                      <p:cBhvr>
+                                        <p:cTn id="13" dur="1000" fill="hold"/>
+                                        <p:tgtEl>
+                                          <p:spTgt spid="4">
+                                            <p:txEl>
+                                              <p:pRg st="0" end="0"/>
+                                            </p:txEl>
+                                          </p:spTgt>
+                                        </p:tgtEl>
+                                        <p:attrNameLst>
+                                          <p:attrName>ppt_x</p:attrName>
+                                        </p:attrNameLst>
+                                      </p:cBhvr>
+                                      <p:tavLst>
+                                        <p:tav tm="0">
+                                          <p:val>
+                                            <p:strVal val="#ppt_x"/>
+                                          </p:val>
+                                        </p:tav>
+                                        <p:tav tm="100000">
+                                          <p:val>
+                                            <p:strVal val="#ppt_x"/>
+                                          </p:val>
+                                        </p:tav>
+                                      </p:tavLst>
+                                    </p:anim>
+                                    <p:anim calcmode="lin" valueType="num">
+                                      <p:cBhvr>
+                                        <p:cTn id="14" dur="1000" fill="hold"/>
+                                        <p:tgtEl>
+                                          <p:spTgt spid="4">
+                                            <p:txEl>
+                                              <p:pRg st="0" end="0"/>
+                                            </p:txEl>
+                                          </p:spTgt>
+                                        </p:tgtEl>
+                                        <p:attrNameLst>
+                                          <p:attrName>ppt_y</p:attrName>
+                                        </p:attrNameLst>
+                                      </p:cBhvr>
+                                      <p:tavLst>
+                                        <p:tav tm="0">
+                                          <p:val>
+                                            <p:strVal val="#ppt_y+.1"/>
+                                          </p:val>
+                                        </p:tav>
+                                        <p:tav tm="100000">
+                                          <p:val>
+                                            <p:strVal val="#ppt_y"/>
+                                          </p:val>
+                                        </p:tav>
+                                      </p:tavLst>
+                                    </p:anim>
+                                  </p:childTnLst>
+                                </p:cTn>
+                              </p:par>
+                              <p:par>
+                                <p:cTn id="15" presetID="42" presetClass="entr" presetSubtype="0" fill="hold" grpId="0" nodeType="withEffect">
+                                  <p:stCondLst>
+                                    <p:cond delay="0"/>
+                                  </p:stCondLst>
+                                  <p:childTnLst>
+                                    <p:set>
+                                      <p:cBhvr>
+                                        <p:cTn id="16" dur="1" fill="hold">
+                                          <p:stCondLst>
+                                            <p:cond delay="0"/>
+                                          </p:stCondLst>
+                                        </p:cTn>
+                                        <p:tgtEl>
+                                          <p:spTgt spid="4">
+                                            <p:txEl>
+                                              <p:pRg st="1" end="1"/>
+                                            </p:txEl>
+                                          </p:spTgt>
+                                        </p:tgtEl>
+                                        <p:attrNameLst>
+                                          <p:attrName>style.visibility</p:attrName>
+                                        </p:attrNameLst>
+                                      </p:cBhvr>
+                                      <p:to>
+                                        <p:strVal val="visible"/>
+                                      </p:to>
+                                    </p:set>
+                                    <p:animEffect transition="in" filter="fade">
+                                      <p:cBhvr>
+                                        <p:cTn id="17" dur="1000"/>
+                                        <p:tgtEl>
+                                          <p:spTgt spid="4">
+                                            <p:txEl>
+                                              <p:pRg st="1" end="1"/>
+                                            </p:txEl>
+                                          </p:spTgt>
+                                        </p:tgtEl>
+                                      </p:cBhvr>
+                                    </p:animEffect>
+                                    <p:anim calcmode="lin" valueType="num">
+                                      <p:cBhvr>
+                                        <p:cTn id="18" dur="1000" fill="hold"/>
+                                        <p:tgtEl>
+                                          <p:spTgt spid="4">
+                                            <p:txEl>
+                                              <p:pRg st="1" end="1"/>
+                                            </p:txEl>
+                                          </p:spTgt>
+                                        </p:tgtEl>
+                                        <p:attrNameLst>
+                                          <p:attrName>ppt_x</p:attrName>
+                                        </p:attrNameLst>
+                                      </p:cBhvr>
+                                      <p:tavLst>
+                                        <p:tav tm="0">
+                                          <p:val>
+                                            <p:strVal val="#ppt_x"/>
+                                          </p:val>
+                                        </p:tav>
+                                        <p:tav tm="100000">
+                                          <p:val>
+                                            <p:strVal val="#ppt_x"/>
+                                          </p:val>
+                                        </p:tav>
+                                      </p:tavLst>
+                                    </p:anim>
+                                    <p:anim calcmode="lin" valueType="num">
+                                      <p:cBhvr>
+                                        <p:cTn id="19" dur="1000" fill="hold"/>
+                                        <p:tgtEl>
+                                          <p:spTgt spid="4">
+                                            <p:txEl>
+                                              <p:pRg st="1" end="1"/>
+                                            </p:txEl>
+                                          </p:spTgt>
+                                        </p:tgtEl>
+                                        <p:attrNameLst>
+                                          <p:attrName>ppt_y</p:attrName>
+                                        </p:attrNameLst>
+                                      </p:cBhvr>
+                                      <p:tavLst>
+                                        <p:tav tm="0">
+                                          <p:val>
+                                            <p:strVal val="#ppt_y+.1"/>
+                                          </p:val>
+                                        </p:tav>
+                                        <p:tav tm="100000">
+                                          <p:val>
+                                            <p:strVal val="#ppt_y"/>
+                                          </p:val>
+                                        </p:tav>
+                                      </p:tavLst>
+                                    </p:anim>
+                                  </p:childTnLst>
+                                </p:cTn>
+                              </p:par>
+                              <p:par>
+                                <p:cTn id="20" presetID="10" presetClass="entr" presetSubtype="0" fill="hold" nodeType="withEffect">
+                                  <p:stCondLst>
+                                    <p:cond delay="0"/>
+                                  </p:stCondLst>
+                                  <p:childTnLst>
+                                    <p:set>
+                                      <p:cBhvr>
+                                        <p:cTn id="21" dur="1" fill="hold">
+                                          <p:stCondLst>
+                                            <p:cond delay="0"/>
+                                          </p:stCondLst>
+                                        </p:cTn>
+                                        <p:tgtEl>
+                                          <p:spTgt spid="7"/>
+                                        </p:tgtEl>
+                                        <p:attrNameLst>
+                                          <p:attrName>style.visibility</p:attrName>
+                                        </p:attrNameLst>
+                                      </p:cBhvr>
+                                      <p:to>
+                                        <p:strVal val="visible"/>
+                                      </p:to>
+                                    </p:set>
+                                    <p:animEffect transition="in" filter="fade">
+                                      <p:cBhvr>
+                                        <p:cTn id="22" dur="500"/>
+                                        <p:tgtEl>
+                                          <p:spTgt spid="7"/>
+                                        </p:tgtEl>
+                                      </p:cBhvr>
+                                    </p:animEffect>
+                                  </p:childTnLst>
+                                </p:cTn>
+                              </p:par>
+                            </p:childTnLst>
+                          </p:cTn>
+                        </p:par>
+                      </p:childTnLst>
+                    </p:cTn>
+                  </p:par>
+                </p:childTnLst>
+              </p:cTn>
+              <p:prevCondLst>
+                <p:cond evt="onPrev" delay="0">
+                  <p:tgtEl>
+                    <p:sldTgt/>
+                  </p:tgtEl>
+                </p:cond>
+              </p:prevCondLst>
+              <p:nextCondLst>
+                <p:cond evt="onNext" delay="0">
+                  <p:tgtEl>
+                    <p:sldTgt/>
+                  </p:tgtEl>
+                </p:cond>
+              </p:nextCondLst>
+            </p:seq>
+          </p:childTnLst>
+        </p:cTn>
+      </p:par>
+    </p:tnLst>
+    <p:bldLst>
+      <p:bldP spid="3" grpId="0" animBg="1"/>
+      <p:bldP spid="4" grpId="0" uiExpand="1" build="p"/>
+    </p:bldLst>
+  </p:timing>
 </p:sld>
 </file>
 
@@ -10070,17 +10951,17 @@
           <a:p>
             <a:r>
               <a:rPr lang="ru-RU" sz="2400" dirty="0"/>
-              <a:t>• В системе контроля версий упрощен процесс создания репозитория: вместо сложных команд с длинными путями используется интуитивно понятный интерфейс. Это делает работу удобнее, особенно для новичков, которым сложно запоминать синтаксис. Такой подход ускоряет создание репозитория и делает систему доступнее для широкого круга пользователей.</a:t>
+              <a:t>• В системе контроля версий упрощен процесс создания репозитория: вместо сложных команд с длинными путями используется интуитивно понятный интерфейс. </a:t>
             </a:r>
           </a:p>
         </p:txBody>
       </p:sp>
       <p:pic>
         <p:nvPicPr>
-          <p:cNvPr id="10" name="Рисунок 9">
-            <a:extLst>
-              <a:ext uri="{FF2B5EF4-FFF2-40B4-BE49-F238E27FC236}">
-                <a16:creationId xmlns:a16="http://schemas.microsoft.com/office/drawing/2014/main" id="{14BB7673-AAA7-46E3-8908-DA3DC991046C}"/>
+          <p:cNvPr id="5" name="Рисунок 4">
+            <a:extLst>
+              <a:ext uri="{FF2B5EF4-FFF2-40B4-BE49-F238E27FC236}">
+                <a16:creationId xmlns:a16="http://schemas.microsoft.com/office/drawing/2014/main" id="{53DAFBA7-10F7-49FE-8EE5-97B025997E3A}"/>
               </a:ext>
             </a:extLst>
           </p:cNvPr>
@@ -10097,8 +10978,8 @@
         </p:blipFill>
         <p:spPr>
           <a:xfrm>
-            <a:off x="76676" y="48842"/>
-            <a:ext cx="1276996" cy="404594"/>
+            <a:off x="6185647" y="1606079"/>
+            <a:ext cx="5898597" cy="4606461"/>
           </a:xfrm>
           <a:prstGeom prst="rect">
             <a:avLst/>
@@ -10107,10 +10988,10 @@
       </p:pic>
       <p:pic>
         <p:nvPicPr>
-          <p:cNvPr id="5" name="Рисунок 4">
-            <a:extLst>
-              <a:ext uri="{FF2B5EF4-FFF2-40B4-BE49-F238E27FC236}">
-                <a16:creationId xmlns:a16="http://schemas.microsoft.com/office/drawing/2014/main" id="{53DAFBA7-10F7-49FE-8EE5-97B025997E3A}"/>
+          <p:cNvPr id="6" name="Рисунок 5">
+            <a:extLst>
+              <a:ext uri="{FF2B5EF4-FFF2-40B4-BE49-F238E27FC236}">
+                <a16:creationId xmlns:a16="http://schemas.microsoft.com/office/drawing/2014/main" id="{240F01A8-2A93-4012-9FE3-ED1D711CD83C}"/>
               </a:ext>
             </a:extLst>
           </p:cNvPr>
@@ -10127,8 +11008,8 @@
         </p:blipFill>
         <p:spPr>
           <a:xfrm>
-            <a:off x="6185647" y="1606079"/>
-            <a:ext cx="5898597" cy="4606461"/>
+            <a:off x="76676" y="48842"/>
+            <a:ext cx="1276996" cy="404594"/>
           </a:xfrm>
           <a:prstGeom prst="rect">
             <a:avLst/>
@@ -10145,6 +11026,315 @@
   <p:clrMapOvr>
     <a:masterClrMapping/>
   </p:clrMapOvr>
+  <p:timing>
+    <p:tnLst>
+      <p:par>
+        <p:cTn id="1" dur="indefinite" restart="never" nodeType="tmRoot">
+          <p:childTnLst>
+            <p:seq concurrent="1" nextAc="seek">
+              <p:cTn id="2" dur="indefinite" nodeType="mainSeq">
+                <p:childTnLst>
+                  <p:par>
+                    <p:cTn id="3" fill="hold">
+                      <p:stCondLst>
+                        <p:cond delay="indefinite"/>
+                        <p:cond evt="onBegin" delay="0">
+                          <p:tn val="2"/>
+                        </p:cond>
+                      </p:stCondLst>
+                      <p:childTnLst>
+                        <p:par>
+                          <p:cTn id="4" fill="hold">
+                            <p:stCondLst>
+                              <p:cond delay="0"/>
+                            </p:stCondLst>
+                            <p:childTnLst>
+                              <p:par>
+                                <p:cTn id="5" presetID="6" presetClass="emph" presetSubtype="0" repeatCount="indefinite" autoRev="1" fill="hold" nodeType="withEffect">
+                                  <p:stCondLst>
+                                    <p:cond delay="0"/>
+                                  </p:stCondLst>
+                                  <p:childTnLst>
+                                    <p:animScale>
+                                      <p:cBhvr>
+                                        <p:cTn id="6" dur="500" fill="hold"/>
+                                        <p:tgtEl>
+                                          <p:spTgt spid="6"/>
+                                        </p:tgtEl>
+                                      </p:cBhvr>
+                                      <p:by x="50000" y="50000"/>
+                                    </p:animScale>
+                                  </p:childTnLst>
+                                </p:cTn>
+                              </p:par>
+                              <p:par>
+                                <p:cTn id="7" presetID="31" presetClass="entr" presetSubtype="0" fill="hold" grpId="0" nodeType="withEffect">
+                                  <p:stCondLst>
+                                    <p:cond delay="0"/>
+                                  </p:stCondLst>
+                                  <p:childTnLst>
+                                    <p:set>
+                                      <p:cBhvr>
+                                        <p:cTn id="8" dur="1" fill="hold">
+                                          <p:stCondLst>
+                                            <p:cond delay="0"/>
+                                          </p:stCondLst>
+                                        </p:cTn>
+                                        <p:tgtEl>
+                                          <p:spTgt spid="3"/>
+                                        </p:tgtEl>
+                                        <p:attrNameLst>
+                                          <p:attrName>style.visibility</p:attrName>
+                                        </p:attrNameLst>
+                                      </p:cBhvr>
+                                      <p:to>
+                                        <p:strVal val="visible"/>
+                                      </p:to>
+                                    </p:set>
+                                    <p:anim calcmode="lin" valueType="num">
+                                      <p:cBhvr>
+                                        <p:cTn id="9" dur="1000" fill="hold"/>
+                                        <p:tgtEl>
+                                          <p:spTgt spid="3"/>
+                                        </p:tgtEl>
+                                        <p:attrNameLst>
+                                          <p:attrName>ppt_w</p:attrName>
+                                        </p:attrNameLst>
+                                      </p:cBhvr>
+                                      <p:tavLst>
+                                        <p:tav tm="0">
+                                          <p:val>
+                                            <p:fltVal val="0"/>
+                                          </p:val>
+                                        </p:tav>
+                                        <p:tav tm="100000">
+                                          <p:val>
+                                            <p:strVal val="#ppt_w"/>
+                                          </p:val>
+                                        </p:tav>
+                                      </p:tavLst>
+                                    </p:anim>
+                                    <p:anim calcmode="lin" valueType="num">
+                                      <p:cBhvr>
+                                        <p:cTn id="10" dur="1000" fill="hold"/>
+                                        <p:tgtEl>
+                                          <p:spTgt spid="3"/>
+                                        </p:tgtEl>
+                                        <p:attrNameLst>
+                                          <p:attrName>ppt_h</p:attrName>
+                                        </p:attrNameLst>
+                                      </p:cBhvr>
+                                      <p:tavLst>
+                                        <p:tav tm="0">
+                                          <p:val>
+                                            <p:fltVal val="0"/>
+                                          </p:val>
+                                        </p:tav>
+                                        <p:tav tm="100000">
+                                          <p:val>
+                                            <p:strVal val="#ppt_h"/>
+                                          </p:val>
+                                        </p:tav>
+                                      </p:tavLst>
+                                    </p:anim>
+                                    <p:anim calcmode="lin" valueType="num">
+                                      <p:cBhvr>
+                                        <p:cTn id="11" dur="1000" fill="hold"/>
+                                        <p:tgtEl>
+                                          <p:spTgt spid="3"/>
+                                        </p:tgtEl>
+                                        <p:attrNameLst>
+                                          <p:attrName>style.rotation</p:attrName>
+                                        </p:attrNameLst>
+                                      </p:cBhvr>
+                                      <p:tavLst>
+                                        <p:tav tm="0">
+                                          <p:val>
+                                            <p:fltVal val="90"/>
+                                          </p:val>
+                                        </p:tav>
+                                        <p:tav tm="100000">
+                                          <p:val>
+                                            <p:fltVal val="0"/>
+                                          </p:val>
+                                        </p:tav>
+                                      </p:tavLst>
+                                    </p:anim>
+                                    <p:animEffect transition="in" filter="fade">
+                                      <p:cBhvr>
+                                        <p:cTn id="12" dur="1000"/>
+                                        <p:tgtEl>
+                                          <p:spTgt spid="3"/>
+                                        </p:tgtEl>
+                                      </p:cBhvr>
+                                    </p:animEffect>
+                                  </p:childTnLst>
+                                </p:cTn>
+                              </p:par>
+                              <p:par>
+                                <p:cTn id="13" presetID="53" presetClass="entr" presetSubtype="16" fill="hold" grpId="0" nodeType="withEffect">
+                                  <p:stCondLst>
+                                    <p:cond delay="0"/>
+                                  </p:stCondLst>
+                                  <p:childTnLst>
+                                    <p:set>
+                                      <p:cBhvr>
+                                        <p:cTn id="14" dur="1" fill="hold">
+                                          <p:stCondLst>
+                                            <p:cond delay="0"/>
+                                          </p:stCondLst>
+                                        </p:cTn>
+                                        <p:tgtEl>
+                                          <p:spTgt spid="4">
+                                            <p:txEl>
+                                              <p:pRg st="0" end="0"/>
+                                            </p:txEl>
+                                          </p:spTgt>
+                                        </p:tgtEl>
+                                        <p:attrNameLst>
+                                          <p:attrName>style.visibility</p:attrName>
+                                        </p:attrNameLst>
+                                      </p:cBhvr>
+                                      <p:to>
+                                        <p:strVal val="visible"/>
+                                      </p:to>
+                                    </p:set>
+                                    <p:anim calcmode="lin" valueType="num">
+                                      <p:cBhvr>
+                                        <p:cTn id="15" dur="500" fill="hold"/>
+                                        <p:tgtEl>
+                                          <p:spTgt spid="4">
+                                            <p:txEl>
+                                              <p:pRg st="0" end="0"/>
+                                            </p:txEl>
+                                          </p:spTgt>
+                                        </p:tgtEl>
+                                        <p:attrNameLst>
+                                          <p:attrName>ppt_w</p:attrName>
+                                        </p:attrNameLst>
+                                      </p:cBhvr>
+                                      <p:tavLst>
+                                        <p:tav tm="0">
+                                          <p:val>
+                                            <p:fltVal val="0"/>
+                                          </p:val>
+                                        </p:tav>
+                                        <p:tav tm="100000">
+                                          <p:val>
+                                            <p:strVal val="#ppt_w"/>
+                                          </p:val>
+                                        </p:tav>
+                                      </p:tavLst>
+                                    </p:anim>
+                                    <p:anim calcmode="lin" valueType="num">
+                                      <p:cBhvr>
+                                        <p:cTn id="16" dur="500" fill="hold"/>
+                                        <p:tgtEl>
+                                          <p:spTgt spid="4">
+                                            <p:txEl>
+                                              <p:pRg st="0" end="0"/>
+                                            </p:txEl>
+                                          </p:spTgt>
+                                        </p:tgtEl>
+                                        <p:attrNameLst>
+                                          <p:attrName>ppt_h</p:attrName>
+                                        </p:attrNameLst>
+                                      </p:cBhvr>
+                                      <p:tavLst>
+                                        <p:tav tm="0">
+                                          <p:val>
+                                            <p:fltVal val="0"/>
+                                          </p:val>
+                                        </p:tav>
+                                        <p:tav tm="100000">
+                                          <p:val>
+                                            <p:strVal val="#ppt_h"/>
+                                          </p:val>
+                                        </p:tav>
+                                      </p:tavLst>
+                                    </p:anim>
+                                    <p:animEffect transition="in" filter="fade">
+                                      <p:cBhvr>
+                                        <p:cTn id="17" dur="500"/>
+                                        <p:tgtEl>
+                                          <p:spTgt spid="4">
+                                            <p:txEl>
+                                              <p:pRg st="0" end="0"/>
+                                            </p:txEl>
+                                          </p:spTgt>
+                                        </p:tgtEl>
+                                      </p:cBhvr>
+                                    </p:animEffect>
+                                  </p:childTnLst>
+                                </p:cTn>
+                              </p:par>
+                              <p:par>
+                                <p:cTn id="18" presetID="6" presetClass="entr" presetSubtype="16" fill="hold" nodeType="withEffect">
+                                  <p:stCondLst>
+                                    <p:cond delay="0"/>
+                                  </p:stCondLst>
+                                  <p:childTnLst>
+                                    <p:set>
+                                      <p:cBhvr>
+                                        <p:cTn id="19" dur="1" fill="hold">
+                                          <p:stCondLst>
+                                            <p:cond delay="0"/>
+                                          </p:stCondLst>
+                                        </p:cTn>
+                                        <p:tgtEl>
+                                          <p:spTgt spid="5"/>
+                                        </p:tgtEl>
+                                        <p:attrNameLst>
+                                          <p:attrName>style.visibility</p:attrName>
+                                        </p:attrNameLst>
+                                      </p:cBhvr>
+                                      <p:to>
+                                        <p:strVal val="visible"/>
+                                      </p:to>
+                                    </p:set>
+                                    <p:animEffect transition="in" filter="circle(in)">
+                                      <p:cBhvr>
+                                        <p:cTn id="20" dur="2000"/>
+                                        <p:tgtEl>
+                                          <p:spTgt spid="5"/>
+                                        </p:tgtEl>
+                                      </p:cBhvr>
+                                    </p:animEffect>
+                                  </p:childTnLst>
+                                </p:cTn>
+                              </p:par>
+                            </p:childTnLst>
+                          </p:cTn>
+                        </p:par>
+                      </p:childTnLst>
+                    </p:cTn>
+                  </p:par>
+                </p:childTnLst>
+              </p:cTn>
+              <p:prevCondLst>
+                <p:cond evt="onPrev" delay="0">
+                  <p:tgtEl>
+                    <p:sldTgt/>
+                  </p:tgtEl>
+                </p:cond>
+              </p:prevCondLst>
+              <p:nextCondLst>
+                <p:cond evt="onNext" delay="0">
+                  <p:tgtEl>
+                    <p:sldTgt/>
+                  </p:tgtEl>
+                </p:cond>
+              </p:nextCondLst>
+            </p:seq>
+          </p:childTnLst>
+        </p:cTn>
+      </p:par>
+    </p:tnLst>
+    <p:bldLst>
+      <p:bldP spid="3" grpId="0" animBg="1"/>
+      <p:bldP spid="4" grpId="0" build="p"/>
+    </p:bldLst>
+  </p:timing>
 </p:sld>
 </file>
 
@@ -11669,10 +12859,10 @@
       </p:pic>
       <p:pic>
         <p:nvPicPr>
-          <p:cNvPr id="34" name="Рисунок 33">
-            <a:extLst>
-              <a:ext uri="{FF2B5EF4-FFF2-40B4-BE49-F238E27FC236}">
-                <a16:creationId xmlns:a16="http://schemas.microsoft.com/office/drawing/2014/main" id="{9D0DBE19-F32D-48C0-A420-C4454293414C}"/>
+          <p:cNvPr id="25" name="Рисунок 24">
+            <a:extLst>
+              <a:ext uri="{FF2B5EF4-FFF2-40B4-BE49-F238E27FC236}">
+                <a16:creationId xmlns:a16="http://schemas.microsoft.com/office/drawing/2014/main" id="{EF4A03A5-11DD-45D5-89EF-B40A6D5A02E2}"/>
               </a:ext>
             </a:extLst>
           </p:cNvPr>
@@ -11707,6 +12897,122 @@
   <p:clrMapOvr>
     <a:masterClrMapping/>
   </p:clrMapOvr>
+  <mc:AlternateContent xmlns:mc="http://schemas.openxmlformats.org/markup-compatibility/2006">
+    <mc:Choice xmlns:p14="http://schemas.microsoft.com/office/powerpoint/2010/main" Requires="p14">
+      <p:transition spd="slow" p14:dur="1200">
+        <p:dissolve/>
+      </p:transition>
+    </mc:Choice>
+    <mc:Fallback>
+      <p:transition spd="slow">
+        <p:dissolve/>
+      </p:transition>
+    </mc:Fallback>
+  </mc:AlternateContent>
+  <p:timing>
+    <p:tnLst>
+      <p:par>
+        <p:cTn id="1" dur="indefinite" restart="never" nodeType="tmRoot">
+          <p:childTnLst>
+            <p:seq concurrent="1" nextAc="seek">
+              <p:cTn id="2" dur="indefinite" nodeType="mainSeq">
+                <p:childTnLst>
+                  <p:par>
+                    <p:cTn id="3" fill="hold">
+                      <p:stCondLst>
+                        <p:cond delay="indefinite"/>
+                        <p:cond evt="onBegin" delay="0">
+                          <p:tn val="2"/>
+                        </p:cond>
+                      </p:stCondLst>
+                      <p:childTnLst>
+                        <p:par>
+                          <p:cTn id="4" fill="hold">
+                            <p:stCondLst>
+                              <p:cond delay="0"/>
+                            </p:stCondLst>
+                            <p:childTnLst>
+                              <p:par>
+                                <p:cTn id="5" presetID="21" presetClass="entr" presetSubtype="1" fill="hold" nodeType="withEffect">
+                                  <p:stCondLst>
+                                    <p:cond delay="0"/>
+                                  </p:stCondLst>
+                                  <p:childTnLst>
+                                    <p:set>
+                                      <p:cBhvr>
+                                        <p:cTn id="6" dur="1" fill="hold">
+                                          <p:stCondLst>
+                                            <p:cond delay="0"/>
+                                          </p:stCondLst>
+                                        </p:cTn>
+                                        <p:tgtEl>
+                                          <p:spTgt spid="7"/>
+                                        </p:tgtEl>
+                                        <p:attrNameLst>
+                                          <p:attrName>style.visibility</p:attrName>
+                                        </p:attrNameLst>
+                                      </p:cBhvr>
+                                      <p:to>
+                                        <p:strVal val="visible"/>
+                                      </p:to>
+                                    </p:set>
+                                    <p:animEffect transition="in" filter="wheel(1)">
+                                      <p:cBhvr>
+                                        <p:cTn id="7" dur="2000"/>
+                                        <p:tgtEl>
+                                          <p:spTgt spid="7"/>
+                                        </p:tgtEl>
+                                      </p:cBhvr>
+                                    </p:animEffect>
+                                  </p:childTnLst>
+                                </p:cTn>
+                              </p:par>
+                              <p:par>
+                                <p:cTn id="8" presetID="6" presetClass="emph" presetSubtype="0" repeatCount="indefinite" autoRev="1" fill="hold" nodeType="withEffect">
+                                  <p:stCondLst>
+                                    <p:cond delay="0"/>
+                                  </p:stCondLst>
+                                  <p:childTnLst>
+                                    <p:animScale>
+                                      <p:cBhvr>
+                                        <p:cTn id="9" dur="500" fill="hold"/>
+                                        <p:tgtEl>
+                                          <p:spTgt spid="25"/>
+                                        </p:tgtEl>
+                                      </p:cBhvr>
+                                      <p:by x="50000" y="50000"/>
+                                    </p:animScale>
+                                  </p:childTnLst>
+                                </p:cTn>
+                              </p:par>
+                            </p:childTnLst>
+                          </p:cTn>
+                        </p:par>
+                      </p:childTnLst>
+                    </p:cTn>
+                  </p:par>
+                </p:childTnLst>
+              </p:cTn>
+              <p:prevCondLst>
+                <p:cond evt="onPrev" delay="0">
+                  <p:tgtEl>
+                    <p:sldTgt/>
+                  </p:tgtEl>
+                </p:cond>
+              </p:prevCondLst>
+              <p:nextCondLst>
+                <p:cond evt="onNext" delay="0">
+                  <p:tgtEl>
+                    <p:sldTgt/>
+                  </p:tgtEl>
+                </p:cond>
+              </p:nextCondLst>
+            </p:seq>
+          </p:childTnLst>
+        </p:cTn>
+      </p:par>
+    </p:tnLst>
+  </p:timing>
 </p:sld>
 </file>
 
@@ -12068,10 +13374,10 @@
       </p:pic>
       <p:pic>
         <p:nvPicPr>
-          <p:cNvPr id="14" name="Рисунок 13">
-            <a:extLst>
-              <a:ext uri="{FF2B5EF4-FFF2-40B4-BE49-F238E27FC236}">
-                <a16:creationId xmlns:a16="http://schemas.microsoft.com/office/drawing/2014/main" id="{A0479B7A-3EBF-4623-89F2-2DE6338309AC}"/>
+          <p:cNvPr id="11" name="Рисунок 10">
+            <a:extLst>
+              <a:ext uri="{FF2B5EF4-FFF2-40B4-BE49-F238E27FC236}">
+                <a16:creationId xmlns:a16="http://schemas.microsoft.com/office/drawing/2014/main" id="{B2210255-D12D-48BC-8C75-15464481867C}"/>
               </a:ext>
             </a:extLst>
           </p:cNvPr>
@@ -12106,6 +13412,377 @@
   <p:clrMapOvr>
     <a:masterClrMapping/>
   </p:clrMapOvr>
+  <mc:AlternateContent xmlns:mc="http://schemas.openxmlformats.org/markup-compatibility/2006">
+    <mc:Choice xmlns:p14="http://schemas.microsoft.com/office/powerpoint/2010/main" Requires="p14">
+      <p:transition spd="slow" p14:dur="1600">
+        <p14:gallery dir="l"/>
+      </p:transition>
+    </mc:Choice>
+    <mc:Fallback>
+      <p:transition spd="slow">
+        <p:fade/>
+      </p:transition>
+    </mc:Fallback>
+  </mc:AlternateContent>
+  <p:timing>
+    <p:tnLst>
+      <p:par>
+        <p:cTn id="1" dur="indefinite" restart="never" nodeType="tmRoot">
+          <p:childTnLst>
+            <p:seq concurrent="1" nextAc="seek">
+              <p:cTn id="2" dur="indefinite" nodeType="mainSeq">
+                <p:childTnLst>
+                  <p:par>
+                    <p:cTn id="3" fill="hold">
+                      <p:stCondLst>
+                        <p:cond delay="indefinite"/>
+                        <p:cond evt="onBegin" delay="0">
+                          <p:tn val="2"/>
+                        </p:cond>
+                      </p:stCondLst>
+                      <p:childTnLst>
+                        <p:par>
+                          <p:cTn id="4" fill="hold">
+                            <p:stCondLst>
+                              <p:cond delay="0"/>
+                            </p:stCondLst>
+                            <p:childTnLst>
+                              <p:par>
+                                <p:cTn id="5" presetID="6" presetClass="emph" presetSubtype="0" repeatCount="indefinite" autoRev="1" fill="hold" nodeType="withEffect">
+                                  <p:stCondLst>
+                                    <p:cond delay="0"/>
+                                  </p:stCondLst>
+                                  <p:childTnLst>
+                                    <p:animScale>
+                                      <p:cBhvr>
+                                        <p:cTn id="6" dur="500" fill="hold"/>
+                                        <p:tgtEl>
+                                          <p:spTgt spid="11"/>
+                                        </p:tgtEl>
+                                      </p:cBhvr>
+                                      <p:by x="50000" y="50000"/>
+                                    </p:animScale>
+                                  </p:childTnLst>
+                                </p:cTn>
+                              </p:par>
+                              <p:par>
+                                <p:cTn id="7" presetID="31" presetClass="entr" presetSubtype="0" fill="hold" nodeType="withEffect">
+                                  <p:stCondLst>
+                                    <p:cond delay="0"/>
+                                  </p:stCondLst>
+                                  <p:childTnLst>
+                                    <p:set>
+                                      <p:cBhvr>
+                                        <p:cTn id="8" dur="1" fill="hold">
+                                          <p:stCondLst>
+                                            <p:cond delay="0"/>
+                                          </p:stCondLst>
+                                        </p:cTn>
+                                        <p:tgtEl>
+                                          <p:spTgt spid="16"/>
+                                        </p:tgtEl>
+                                        <p:attrNameLst>
+                                          <p:attrName>style.visibility</p:attrName>
+                                        </p:attrNameLst>
+                                      </p:cBhvr>
+                                      <p:to>
+                                        <p:strVal val="visible"/>
+                                      </p:to>
+                                    </p:set>
+                                    <p:anim calcmode="lin" valueType="num">
+                                      <p:cBhvr>
+                                        <p:cTn id="9" dur="1000" fill="hold"/>
+                                        <p:tgtEl>
+                                          <p:spTgt spid="16"/>
+                                        </p:tgtEl>
+                                        <p:attrNameLst>
+                                          <p:attrName>ppt_w</p:attrName>
+                                        </p:attrNameLst>
+                                      </p:cBhvr>
+                                      <p:tavLst>
+                                        <p:tav tm="0">
+                                          <p:val>
+                                            <p:fltVal val="0"/>
+                                          </p:val>
+                                        </p:tav>
+                                        <p:tav tm="100000">
+                                          <p:val>
+                                            <p:strVal val="#ppt_w"/>
+                                          </p:val>
+                                        </p:tav>
+                                      </p:tavLst>
+                                    </p:anim>
+                                    <p:anim calcmode="lin" valueType="num">
+                                      <p:cBhvr>
+                                        <p:cTn id="10" dur="1000" fill="hold"/>
+                                        <p:tgtEl>
+                                          <p:spTgt spid="16"/>
+                                        </p:tgtEl>
+                                        <p:attrNameLst>
+                                          <p:attrName>ppt_h</p:attrName>
+                                        </p:attrNameLst>
+                                      </p:cBhvr>
+                                      <p:tavLst>
+                                        <p:tav tm="0">
+                                          <p:val>
+                                            <p:fltVal val="0"/>
+                                          </p:val>
+                                        </p:tav>
+                                        <p:tav tm="100000">
+                                          <p:val>
+                                            <p:strVal val="#ppt_h"/>
+                                          </p:val>
+                                        </p:tav>
+                                      </p:tavLst>
+                                    </p:anim>
+                                    <p:anim calcmode="lin" valueType="num">
+                                      <p:cBhvr>
+                                        <p:cTn id="11" dur="1000" fill="hold"/>
+                                        <p:tgtEl>
+                                          <p:spTgt spid="16"/>
+                                        </p:tgtEl>
+                                        <p:attrNameLst>
+                                          <p:attrName>style.rotation</p:attrName>
+                                        </p:attrNameLst>
+                                      </p:cBhvr>
+                                      <p:tavLst>
+                                        <p:tav tm="0">
+                                          <p:val>
+                                            <p:fltVal val="90"/>
+                                          </p:val>
+                                        </p:tav>
+                                        <p:tav tm="100000">
+                                          <p:val>
+                                            <p:fltVal val="0"/>
+                                          </p:val>
+                                        </p:tav>
+                                      </p:tavLst>
+                                    </p:anim>
+                                    <p:animEffect transition="in" filter="fade">
+                                      <p:cBhvr>
+                                        <p:cTn id="12" dur="1000"/>
+                                        <p:tgtEl>
+                                          <p:spTgt spid="16"/>
+                                        </p:tgtEl>
+                                      </p:cBhvr>
+                                    </p:animEffect>
+                                  </p:childTnLst>
+                                </p:cTn>
+                              </p:par>
+                              <p:par>
+                                <p:cTn id="13" presetID="45" presetClass="entr" presetSubtype="0" fill="hold" nodeType="withEffect">
+                                  <p:stCondLst>
+                                    <p:cond delay="0"/>
+                                  </p:stCondLst>
+                                  <p:childTnLst>
+                                    <p:set>
+                                      <p:cBhvr>
+                                        <p:cTn id="14" dur="1" fill="hold">
+                                          <p:stCondLst>
+                                            <p:cond delay="0"/>
+                                          </p:stCondLst>
+                                        </p:cTn>
+                                        <p:tgtEl>
+                                          <p:spTgt spid="2062"/>
+                                        </p:tgtEl>
+                                        <p:attrNameLst>
+                                          <p:attrName>style.visibility</p:attrName>
+                                        </p:attrNameLst>
+                                      </p:cBhvr>
+                                      <p:to>
+                                        <p:strVal val="visible"/>
+                                      </p:to>
+                                    </p:set>
+                                    <p:animEffect transition="in" filter="fade">
+                                      <p:cBhvr>
+                                        <p:cTn id="15" dur="2000"/>
+                                        <p:tgtEl>
+                                          <p:spTgt spid="2062"/>
+                                        </p:tgtEl>
+                                      </p:cBhvr>
+                                    </p:animEffect>
+                                    <p:anim calcmode="lin" valueType="num">
+                                      <p:cBhvr>
+                                        <p:cTn id="16" dur="2000" fill="hold"/>
+                                        <p:tgtEl>
+                                          <p:spTgt spid="2062"/>
+                                        </p:tgtEl>
+                                        <p:attrNameLst>
+                                          <p:attrName>ppt_w</p:attrName>
+                                        </p:attrNameLst>
+                                      </p:cBhvr>
+                                      <p:tavLst>
+                                        <p:tav tm="0" fmla="#ppt_w*sin(2.5*pi*$)">
+                                          <p:val>
+                                            <p:fltVal val="0"/>
+                                          </p:val>
+                                        </p:tav>
+                                        <p:tav tm="100000">
+                                          <p:val>
+                                            <p:fltVal val="1"/>
+                                          </p:val>
+                                        </p:tav>
+                                      </p:tavLst>
+                                    </p:anim>
+                                    <p:anim calcmode="lin" valueType="num">
+                                      <p:cBhvr>
+                                        <p:cTn id="17" dur="2000" fill="hold"/>
+                                        <p:tgtEl>
+                                          <p:spTgt spid="2062"/>
+                                        </p:tgtEl>
+                                        <p:attrNameLst>
+                                          <p:attrName>ppt_h</p:attrName>
+                                        </p:attrNameLst>
+                                      </p:cBhvr>
+                                      <p:tavLst>
+                                        <p:tav tm="0">
+                                          <p:val>
+                                            <p:strVal val="#ppt_h"/>
+                                          </p:val>
+                                        </p:tav>
+                                        <p:tav tm="100000">
+                                          <p:val>
+                                            <p:strVal val="#ppt_h"/>
+                                          </p:val>
+                                        </p:tav>
+                                      </p:tavLst>
+                                    </p:anim>
+                                  </p:childTnLst>
+                                </p:cTn>
+                              </p:par>
+                              <p:par>
+                                <p:cTn id="18" presetID="22" presetClass="entr" presetSubtype="4" fill="hold" nodeType="withEffect">
+                                  <p:stCondLst>
+                                    <p:cond delay="0"/>
+                                  </p:stCondLst>
+                                  <p:childTnLst>
+                                    <p:set>
+                                      <p:cBhvr>
+                                        <p:cTn id="19" dur="1" fill="hold">
+                                          <p:stCondLst>
+                                            <p:cond delay="0"/>
+                                          </p:stCondLst>
+                                        </p:cTn>
+                                        <p:tgtEl>
+                                          <p:spTgt spid="2050"/>
+                                        </p:tgtEl>
+                                        <p:attrNameLst>
+                                          <p:attrName>style.visibility</p:attrName>
+                                        </p:attrNameLst>
+                                      </p:cBhvr>
+                                      <p:to>
+                                        <p:strVal val="visible"/>
+                                      </p:to>
+                                    </p:set>
+                                    <p:animEffect transition="in" filter="wipe(down)">
+                                      <p:cBhvr>
+                                        <p:cTn id="20" dur="500"/>
+                                        <p:tgtEl>
+                                          <p:spTgt spid="2050"/>
+                                        </p:tgtEl>
+                                      </p:cBhvr>
+                                    </p:animEffect>
+                                  </p:childTnLst>
+                                </p:cTn>
+                              </p:par>
+                              <p:par>
+                                <p:cTn id="21" presetID="10" presetClass="entr" presetSubtype="0" fill="hold" grpId="0" nodeType="withEffect">
+                                  <p:stCondLst>
+                                    <p:cond delay="0"/>
+                                  </p:stCondLst>
+                                  <p:childTnLst>
+                                    <p:set>
+                                      <p:cBhvr>
+                                        <p:cTn id="22" dur="1" fill="hold">
+                                          <p:stCondLst>
+                                            <p:cond delay="0"/>
+                                          </p:stCondLst>
+                                        </p:cTn>
+                                        <p:tgtEl>
+                                          <p:spTgt spid="5"/>
+                                        </p:tgtEl>
+                                        <p:attrNameLst>
+                                          <p:attrName>style.visibility</p:attrName>
+                                        </p:attrNameLst>
+                                      </p:cBhvr>
+                                      <p:to>
+                                        <p:strVal val="visible"/>
+                                      </p:to>
+                                    </p:set>
+                                    <p:animEffect transition="in" filter="fade">
+                                      <p:cBhvr>
+                                        <p:cTn id="23" dur="500"/>
+                                        <p:tgtEl>
+                                          <p:spTgt spid="5"/>
+                                        </p:tgtEl>
+                                      </p:cBhvr>
+                                    </p:animEffect>
+                                  </p:childTnLst>
+                                </p:cTn>
+                              </p:par>
+                              <p:par>
+                                <p:cTn id="24" presetID="1" presetClass="entr" presetSubtype="0" fill="hold" grpId="0" nodeType="withEffect">
+                                  <p:stCondLst>
+                                    <p:cond delay="0"/>
+                                  </p:stCondLst>
+                                  <p:childTnLst>
+                                    <p:set>
+                                      <p:cBhvr>
+                                        <p:cTn id="25" dur="1" fill="hold">
+                                          <p:stCondLst>
+                                            <p:cond delay="0"/>
+                                          </p:stCondLst>
+                                        </p:cTn>
+                                        <p:tgtEl>
+                                          <p:spTgt spid="3">
+                                            <p:txEl>
+                                              <p:pRg st="0" end="0"/>
+                                            </p:txEl>
+                                          </p:spTgt>
+                                        </p:tgtEl>
+                                        <p:attrNameLst>
+                                          <p:attrName>style.visibility</p:attrName>
+                                        </p:attrNameLst>
+                                      </p:cBhvr>
+                                      <p:to>
+                                        <p:strVal val="visible"/>
+                                      </p:to>
+                                    </p:set>
+                                  </p:childTnLst>
+                                </p:cTn>
+                              </p:par>
+                            </p:childTnLst>
+                          </p:cTn>
+                        </p:par>
+                      </p:childTnLst>
+                    </p:cTn>
+                  </p:par>
+                </p:childTnLst>
+              </p:cTn>
+              <p:prevCondLst>
+                <p:cond evt="onPrev" delay="0">
+                  <p:tgtEl>
+                    <p:sldTgt/>
+                  </p:tgtEl>
+                </p:cond>
+              </p:prevCondLst>
+              <p:nextCondLst>
+                <p:cond evt="onNext" delay="0">
+                  <p:tgtEl>
+                    <p:sldTgt/>
+                  </p:tgtEl>
+                </p:cond>
+              </p:nextCondLst>
+            </p:seq>
+          </p:childTnLst>
+        </p:cTn>
+      </p:par>
+    </p:tnLst>
+    <p:bldLst>
+      <p:bldP spid="5" grpId="0" animBg="1"/>
+      <p:bldP spid="3" grpId="0" build="p"/>
+    </p:bldLst>
+  </p:timing>
 </p:sld>
 </file>
 
@@ -12372,10 +14049,10 @@
       </p:sp>
       <p:pic>
         <p:nvPicPr>
-          <p:cNvPr id="4" name="Рисунок 3">
-            <a:extLst>
-              <a:ext uri="{FF2B5EF4-FFF2-40B4-BE49-F238E27FC236}">
-                <a16:creationId xmlns:a16="http://schemas.microsoft.com/office/drawing/2014/main" id="{9C4E3911-DE74-4003-83F9-B5D5FDDEA0B6}"/>
+          <p:cNvPr id="5" name="Рисунок 4">
+            <a:extLst>
+              <a:ext uri="{FF2B5EF4-FFF2-40B4-BE49-F238E27FC236}">
+                <a16:creationId xmlns:a16="http://schemas.microsoft.com/office/drawing/2014/main" id="{E64DC62F-C541-40E3-9D0F-ED5C82B8CAE1}"/>
               </a:ext>
             </a:extLst>
           </p:cNvPr>
@@ -12410,6 +14087,161 @@
   <p:clrMapOvr>
     <a:masterClrMapping/>
   </p:clrMapOvr>
+  <mc:AlternateContent xmlns:mc="http://schemas.openxmlformats.org/markup-compatibility/2006">
+    <mc:Choice xmlns:p14="http://schemas.microsoft.com/office/powerpoint/2010/main" Requires="p14">
+      <p:transition spd="slow" p14:dur="3400">
+        <p14:reveal/>
+      </p:transition>
+    </mc:Choice>
+    <mc:Fallback>
+      <p:transition spd="slow">
+        <p:fade/>
+      </p:transition>
+    </mc:Fallback>
+  </mc:AlternateContent>
+  <p:timing>
+    <p:tnLst>
+      <p:par>
+        <p:cTn id="1" dur="indefinite" restart="never" nodeType="tmRoot">
+          <p:childTnLst>
+            <p:seq concurrent="1" nextAc="seek">
+              <p:cTn id="2" dur="indefinite" nodeType="mainSeq">
+                <p:childTnLst>
+                  <p:par>
+                    <p:cTn id="3" fill="hold">
+                      <p:stCondLst>
+                        <p:cond delay="indefinite"/>
+                        <p:cond evt="onBegin" delay="0">
+                          <p:tn val="2"/>
+                        </p:cond>
+                      </p:stCondLst>
+                      <p:childTnLst>
+                        <p:par>
+                          <p:cTn id="4" fill="hold">
+                            <p:stCondLst>
+                              <p:cond delay="0"/>
+                            </p:stCondLst>
+                            <p:childTnLst>
+                              <p:par>
+                                <p:cTn id="5" presetID="6" presetClass="emph" presetSubtype="0" repeatCount="indefinite" autoRev="1" fill="hold" nodeType="withEffect">
+                                  <p:stCondLst>
+                                    <p:cond delay="0"/>
+                                  </p:stCondLst>
+                                  <p:childTnLst>
+                                    <p:animScale>
+                                      <p:cBhvr>
+                                        <p:cTn id="6" dur="500" fill="hold"/>
+                                        <p:tgtEl>
+                                          <p:spTgt spid="5"/>
+                                        </p:tgtEl>
+                                      </p:cBhvr>
+                                      <p:by x="50000" y="50000"/>
+                                    </p:animScale>
+                                  </p:childTnLst>
+                                </p:cTn>
+                              </p:par>
+                              <p:par>
+                                <p:cTn id="7" presetID="14" presetClass="entr" presetSubtype="10" fill="hold" grpId="0" nodeType="withEffect">
+                                  <p:stCondLst>
+                                    <p:cond delay="0"/>
+                                  </p:stCondLst>
+                                  <p:childTnLst>
+                                    <p:set>
+                                      <p:cBhvr>
+                                        <p:cTn id="8" dur="1" fill="hold">
+                                          <p:stCondLst>
+                                            <p:cond delay="0"/>
+                                          </p:stCondLst>
+                                        </p:cTn>
+                                        <p:tgtEl>
+                                          <p:spTgt spid="2"/>
+                                        </p:tgtEl>
+                                        <p:attrNameLst>
+                                          <p:attrName>style.visibility</p:attrName>
+                                        </p:attrNameLst>
+                                      </p:cBhvr>
+                                      <p:to>
+                                        <p:strVal val="visible"/>
+                                      </p:to>
+                                    </p:set>
+                                    <p:animEffect transition="in" filter="randombar(horizontal)">
+                                      <p:cBhvr>
+                                        <p:cTn id="9" dur="500"/>
+                                        <p:tgtEl>
+                                          <p:spTgt spid="2"/>
+                                        </p:tgtEl>
+                                      </p:cBhvr>
+                                    </p:animEffect>
+                                  </p:childTnLst>
+                                </p:cTn>
+                              </p:par>
+                              <p:par>
+                                <p:cTn id="10" presetID="14" presetClass="entr" presetSubtype="10" fill="hold" grpId="0" nodeType="withEffect">
+                                  <p:stCondLst>
+                                    <p:cond delay="0"/>
+                                  </p:stCondLst>
+                                  <p:childTnLst>
+                                    <p:set>
+                                      <p:cBhvr>
+                                        <p:cTn id="11" dur="1" fill="hold">
+                                          <p:stCondLst>
+                                            <p:cond delay="0"/>
+                                          </p:stCondLst>
+                                        </p:cTn>
+                                        <p:tgtEl>
+                                          <p:spTgt spid="7"/>
+                                        </p:tgtEl>
+                                        <p:attrNameLst>
+                                          <p:attrName>style.visibility</p:attrName>
+                                        </p:attrNameLst>
+                                      </p:cBhvr>
+                                      <p:to>
+                                        <p:strVal val="visible"/>
+                                      </p:to>
+                                    </p:set>
+                                    <p:animEffect transition="in" filter="randombar(horizontal)">
+                                      <p:cBhvr>
+                                        <p:cTn id="12" dur="500"/>
+                                        <p:tgtEl>
+                                          <p:spTgt spid="7"/>
+                                        </p:tgtEl>
+                                      </p:cBhvr>
+                                    </p:animEffect>
+                                  </p:childTnLst>
+                                </p:cTn>
+                              </p:par>
+                            </p:childTnLst>
+                          </p:cTn>
+                        </p:par>
+                      </p:childTnLst>
+                    </p:cTn>
+                  </p:par>
+                </p:childTnLst>
+              </p:cTn>
+              <p:prevCondLst>
+                <p:cond evt="onPrev" delay="0">
+                  <p:tgtEl>
+                    <p:sldTgt/>
+                  </p:tgtEl>
+                </p:cond>
+              </p:prevCondLst>
+              <p:nextCondLst>
+                <p:cond evt="onNext" delay="0">
+                  <p:tgtEl>
+                    <p:sldTgt/>
+                  </p:tgtEl>
+                </p:cond>
+              </p:nextCondLst>
+            </p:seq>
+          </p:childTnLst>
+        </p:cTn>
+      </p:par>
+    </p:tnLst>
+    <p:bldLst>
+      <p:bldP spid="2" grpId="0"/>
+      <p:bldP spid="7" grpId="0"/>
+    </p:bldLst>
+  </p:timing>
 </p:sld>
 </file>
 
@@ -12497,10 +14329,10 @@
       </p:sp>
       <p:pic>
         <p:nvPicPr>
-          <p:cNvPr id="4" name="Рисунок 3">
-            <a:extLst>
-              <a:ext uri="{FF2B5EF4-FFF2-40B4-BE49-F238E27FC236}">
-                <a16:creationId xmlns:a16="http://schemas.microsoft.com/office/drawing/2014/main" id="{1CD12C5A-1661-4540-AC96-34AF6FCAB9E0}"/>
+          <p:cNvPr id="5" name="Рисунок 4">
+            <a:extLst>
+              <a:ext uri="{FF2B5EF4-FFF2-40B4-BE49-F238E27FC236}">
+                <a16:creationId xmlns:a16="http://schemas.microsoft.com/office/drawing/2014/main" id="{483F6146-9498-4605-AEE9-FCAFB40976D8}"/>
               </a:ext>
             </a:extLst>
           </p:cNvPr>
@@ -12535,6 +14367,217 @@
   <p:clrMapOvr>
     <a:masterClrMapping/>
   </p:clrMapOvr>
+  <p:timing>
+    <p:tnLst>
+      <p:par>
+        <p:cTn id="1" dur="indefinite" restart="never" nodeType="tmRoot">
+          <p:childTnLst>
+            <p:seq concurrent="1" nextAc="seek">
+              <p:cTn id="2" dur="indefinite" nodeType="mainSeq">
+                <p:childTnLst>
+                  <p:par>
+                    <p:cTn id="3" fill="hold">
+                      <p:stCondLst>
+                        <p:cond delay="indefinite"/>
+                        <p:cond evt="onBegin" delay="0">
+                          <p:tn val="2"/>
+                        </p:cond>
+                      </p:stCondLst>
+                      <p:childTnLst>
+                        <p:par>
+                          <p:cTn id="4" fill="hold">
+                            <p:stCondLst>
+                              <p:cond delay="0"/>
+                            </p:stCondLst>
+                            <p:childTnLst>
+                              <p:par>
+                                <p:cTn id="5" presetID="6" presetClass="emph" presetSubtype="0" repeatCount="indefinite" autoRev="1" fill="hold" nodeType="withEffect">
+                                  <p:stCondLst>
+                                    <p:cond delay="0"/>
+                                  </p:stCondLst>
+                                  <p:childTnLst>
+                                    <p:animScale>
+                                      <p:cBhvr>
+                                        <p:cTn id="6" dur="500" fill="hold"/>
+                                        <p:tgtEl>
+                                          <p:spTgt spid="5"/>
+                                        </p:tgtEl>
+                                      </p:cBhvr>
+                                      <p:by x="50000" y="50000"/>
+                                    </p:animScale>
+                                  </p:childTnLst>
+                                </p:cTn>
+                              </p:par>
+                              <p:par>
+                                <p:cTn id="7" presetID="6" presetClass="entr" presetSubtype="16" fill="hold" grpId="0" nodeType="withEffect">
+                                  <p:stCondLst>
+                                    <p:cond delay="0"/>
+                                  </p:stCondLst>
+                                  <p:childTnLst>
+                                    <p:set>
+                                      <p:cBhvr>
+                                        <p:cTn id="8" dur="1" fill="hold">
+                                          <p:stCondLst>
+                                            <p:cond delay="0"/>
+                                          </p:stCondLst>
+                                        </p:cTn>
+                                        <p:tgtEl>
+                                          <p:spTgt spid="2"/>
+                                        </p:tgtEl>
+                                        <p:attrNameLst>
+                                          <p:attrName>style.visibility</p:attrName>
+                                        </p:attrNameLst>
+                                      </p:cBhvr>
+                                      <p:to>
+                                        <p:strVal val="visible"/>
+                                      </p:to>
+                                    </p:set>
+                                    <p:animEffect transition="in" filter="circle(in)">
+                                      <p:cBhvr>
+                                        <p:cTn id="9" dur="2000"/>
+                                        <p:tgtEl>
+                                          <p:spTgt spid="2"/>
+                                        </p:tgtEl>
+                                      </p:cBhvr>
+                                    </p:animEffect>
+                                  </p:childTnLst>
+                                </p:cTn>
+                              </p:par>
+                              <p:par>
+                                <p:cTn id="10" presetID="31" presetClass="entr" presetSubtype="0" fill="hold" nodeType="withEffect">
+                                  <p:stCondLst>
+                                    <p:cond delay="0"/>
+                                  </p:stCondLst>
+                                  <p:childTnLst>
+                                    <p:set>
+                                      <p:cBhvr>
+                                        <p:cTn id="11" dur="1" fill="hold">
+                                          <p:stCondLst>
+                                            <p:cond delay="0"/>
+                                          </p:stCondLst>
+                                        </p:cTn>
+                                        <p:tgtEl>
+                                          <p:spTgt spid="13"/>
+                                        </p:tgtEl>
+                                        <p:attrNameLst>
+                                          <p:attrName>style.visibility</p:attrName>
+                                        </p:attrNameLst>
+                                      </p:cBhvr>
+                                      <p:to>
+                                        <p:strVal val="visible"/>
+                                      </p:to>
+                                    </p:set>
+                                    <p:anim calcmode="lin" valueType="num">
+                                      <p:cBhvr>
+                                        <p:cTn id="12" dur="1000" fill="hold"/>
+                                        <p:tgtEl>
+                                          <p:spTgt spid="13"/>
+                                        </p:tgtEl>
+                                        <p:attrNameLst>
+                                          <p:attrName>ppt_w</p:attrName>
+                                        </p:attrNameLst>
+                                      </p:cBhvr>
+                                      <p:tavLst>
+                                        <p:tav tm="0">
+                                          <p:val>
+                                            <p:fltVal val="0"/>
+                                          </p:val>
+                                        </p:tav>
+                                        <p:tav tm="100000">
+                                          <p:val>
+                                            <p:strVal val="#ppt_w"/>
+                                          </p:val>
+                                        </p:tav>
+                                      </p:tavLst>
+                                    </p:anim>
+                                    <p:anim calcmode="lin" valueType="num">
+                                      <p:cBhvr>
+                                        <p:cTn id="13" dur="1000" fill="hold"/>
+                                        <p:tgtEl>
+                                          <p:spTgt spid="13"/>
+                                        </p:tgtEl>
+                                        <p:attrNameLst>
+                                          <p:attrName>ppt_h</p:attrName>
+                                        </p:attrNameLst>
+                                      </p:cBhvr>
+                                      <p:tavLst>
+                                        <p:tav tm="0">
+                                          <p:val>
+                                            <p:fltVal val="0"/>
+                                          </p:val>
+                                        </p:tav>
+                                        <p:tav tm="100000">
+                                          <p:val>
+                                            <p:strVal val="#ppt_h"/>
+                                          </p:val>
+                                        </p:tav>
+                                      </p:tavLst>
+                                    </p:anim>
+                                    <p:anim calcmode="lin" valueType="num">
+                                      <p:cBhvr>
+                                        <p:cTn id="14" dur="1000" fill="hold"/>
+                                        <p:tgtEl>
+                                          <p:spTgt spid="13"/>
+                                        </p:tgtEl>
+                                        <p:attrNameLst>
+                                          <p:attrName>style.rotation</p:attrName>
+                                        </p:attrNameLst>
+                                      </p:cBhvr>
+                                      <p:tavLst>
+                                        <p:tav tm="0">
+                                          <p:val>
+                                            <p:fltVal val="90"/>
+                                          </p:val>
+                                        </p:tav>
+                                        <p:tav tm="100000">
+                                          <p:val>
+                                            <p:fltVal val="0"/>
+                                          </p:val>
+                                        </p:tav>
+                                      </p:tavLst>
+                                    </p:anim>
+                                    <p:animEffect transition="in" filter="fade">
+                                      <p:cBhvr>
+                                        <p:cTn id="15" dur="1000"/>
+                                        <p:tgtEl>
+                                          <p:spTgt spid="13"/>
+                                        </p:tgtEl>
+                                      </p:cBhvr>
+                                    </p:animEffect>
+                                  </p:childTnLst>
+                                </p:cTn>
+                              </p:par>
+                            </p:childTnLst>
+                          </p:cTn>
+                        </p:par>
+                      </p:childTnLst>
+                    </p:cTn>
+                  </p:par>
+                </p:childTnLst>
+              </p:cTn>
+              <p:prevCondLst>
+                <p:cond evt="onPrev" delay="0">
+                  <p:tgtEl>
+                    <p:sldTgt/>
+                  </p:tgtEl>
+                </p:cond>
+              </p:prevCondLst>
+              <p:nextCondLst>
+                <p:cond evt="onNext" delay="0">
+                  <p:tgtEl>
+                    <p:sldTgt/>
+                  </p:tgtEl>
+                </p:cond>
+              </p:nextCondLst>
+            </p:seq>
+          </p:childTnLst>
+        </p:cTn>
+      </p:par>
+    </p:tnLst>
+    <p:bldLst>
+      <p:bldP spid="2" grpId="0" animBg="1"/>
+    </p:bldLst>
+  </p:timing>
 </p:sld>
 </file>
 
@@ -12578,8 +14621,8 @@
         </p:blipFill>
         <p:spPr>
           <a:xfrm>
-            <a:off x="5424255" y="0"/>
-            <a:ext cx="6767745" cy="6858000"/>
+            <a:off x="5424255" y="-1447800"/>
+            <a:ext cx="6977295" cy="8591550"/>
           </a:xfrm>
         </p:spPr>
       </p:pic>
@@ -12643,7 +14686,7 @@
         <p:spPr>
           <a:xfrm>
             <a:off x="622749" y="3764811"/>
-            <a:ext cx="4953298" cy="2554545"/>
+            <a:ext cx="4953298" cy="1323439"/>
           </a:xfrm>
           <a:prstGeom prst="rect">
             <a:avLst/>
@@ -12668,7 +14711,7 @@
                 <a:ea typeface="Calibri" panose="020F0502020204030204" pitchFamily="34" charset="0"/>
                 <a:cs typeface="Calibri" panose="020F0502020204030204" pitchFamily="34" charset="0"/>
               </a:rPr>
-              <a:t>• Сегодня мы начинаем работу над созданием современной, надежной и удобной системы контроля версий. Этот инструмент будет помогать разработчикам эффективно управлять изменениями в коде, отслеживать историю правок, работать с ветками и при необходимости возвращаться к предыдущим версиям. </a:t>
+              <a:t>Этот инструмент будет помогать разработчикам управлять изменениями в коде, отслеживать историю правок, и при возвращаться к предыдущим версиям. </a:t>
             </a:r>
           </a:p>
         </p:txBody>
@@ -12713,6 +14756,260 @@
   <p:clrMapOvr>
     <a:masterClrMapping/>
   </p:clrMapOvr>
+  <mc:AlternateContent xmlns:mc="http://schemas.openxmlformats.org/markup-compatibility/2006" xmlns:p15="http://schemas.microsoft.com/office/powerpoint/2012/main">
+    <mc:Choice Requires="p15">
+      <p:transition xmlns:p14="http://schemas.microsoft.com/office/powerpoint/2010/main" spd="slow" p14:dur="6000">
+        <p15:prstTrans prst="curtains"/>
+      </p:transition>
+    </mc:Choice>
+    <mc:Fallback xmlns="">
+      <p:transition spd="slow">
+        <p:fade/>
+      </p:transition>
+    </mc:Fallback>
+  </mc:AlternateContent>
+  <p:timing>
+    <p:tnLst>
+      <p:par>
+        <p:cTn id="1" dur="indefinite" restart="never" nodeType="tmRoot">
+          <p:childTnLst>
+            <p:seq concurrent="1" nextAc="seek">
+              <p:cTn id="2" dur="indefinite" nodeType="mainSeq">
+                <p:childTnLst>
+                  <p:par>
+                    <p:cTn id="3" fill="hold">
+                      <p:stCondLst>
+                        <p:cond delay="indefinite"/>
+                        <p:cond evt="onBegin" delay="0">
+                          <p:tn val="2"/>
+                        </p:cond>
+                      </p:stCondLst>
+                      <p:childTnLst>
+                        <p:par>
+                          <p:cTn id="4" fill="hold">
+                            <p:stCondLst>
+                              <p:cond delay="0"/>
+                            </p:stCondLst>
+                            <p:childTnLst>
+                              <p:par>
+                                <p:cTn id="5" presetID="42" presetClass="entr" presetSubtype="0" fill="hold" grpId="0" nodeType="withEffect">
+                                  <p:stCondLst>
+                                    <p:cond delay="0"/>
+                                  </p:stCondLst>
+                                  <p:childTnLst>
+                                    <p:set>
+                                      <p:cBhvr>
+                                        <p:cTn id="6" dur="1" fill="hold">
+                                          <p:stCondLst>
+                                            <p:cond delay="0"/>
+                                          </p:stCondLst>
+                                        </p:cTn>
+                                        <p:tgtEl>
+                                          <p:spTgt spid="2"/>
+                                        </p:tgtEl>
+                                        <p:attrNameLst>
+                                          <p:attrName>style.visibility</p:attrName>
+                                        </p:attrNameLst>
+                                      </p:cBhvr>
+                                      <p:to>
+                                        <p:strVal val="visible"/>
+                                      </p:to>
+                                    </p:set>
+                                    <p:animEffect transition="in" filter="fade">
+                                      <p:cBhvr>
+                                        <p:cTn id="7" dur="1000"/>
+                                        <p:tgtEl>
+                                          <p:spTgt spid="2"/>
+                                        </p:tgtEl>
+                                      </p:cBhvr>
+                                    </p:animEffect>
+                                    <p:anim calcmode="lin" valueType="num">
+                                      <p:cBhvr>
+                                        <p:cTn id="8" dur="1000" fill="hold"/>
+                                        <p:tgtEl>
+                                          <p:spTgt spid="2"/>
+                                        </p:tgtEl>
+                                        <p:attrNameLst>
+                                          <p:attrName>ppt_x</p:attrName>
+                                        </p:attrNameLst>
+                                      </p:cBhvr>
+                                      <p:tavLst>
+                                        <p:tav tm="0">
+                                          <p:val>
+                                            <p:strVal val="#ppt_x"/>
+                                          </p:val>
+                                        </p:tav>
+                                        <p:tav tm="100000">
+                                          <p:val>
+                                            <p:strVal val="#ppt_x"/>
+                                          </p:val>
+                                        </p:tav>
+                                      </p:tavLst>
+                                    </p:anim>
+                                    <p:anim calcmode="lin" valueType="num">
+                                      <p:cBhvr>
+                                        <p:cTn id="9" dur="1000" fill="hold"/>
+                                        <p:tgtEl>
+                                          <p:spTgt spid="2"/>
+                                        </p:tgtEl>
+                                        <p:attrNameLst>
+                                          <p:attrName>ppt_y</p:attrName>
+                                        </p:attrNameLst>
+                                      </p:cBhvr>
+                                      <p:tavLst>
+                                        <p:tav tm="0">
+                                          <p:val>
+                                            <p:strVal val="#ppt_y+.1"/>
+                                          </p:val>
+                                        </p:tav>
+                                        <p:tav tm="100000">
+                                          <p:val>
+                                            <p:strVal val="#ppt_y"/>
+                                          </p:val>
+                                        </p:tav>
+                                      </p:tavLst>
+                                    </p:anim>
+                                  </p:childTnLst>
+                                </p:cTn>
+                              </p:par>
+                            </p:childTnLst>
+                          </p:cTn>
+                        </p:par>
+                      </p:childTnLst>
+                    </p:cTn>
+                  </p:par>
+                  <p:par>
+                    <p:cTn id="10" fill="hold">
+                      <p:stCondLst>
+                        <p:cond delay="indefinite"/>
+                      </p:stCondLst>
+                      <p:childTnLst>
+                        <p:par>
+                          <p:cTn id="11" fill="hold">
+                            <p:stCondLst>
+                              <p:cond delay="0"/>
+                            </p:stCondLst>
+                            <p:childTnLst>
+                              <p:par>
+                                <p:cTn id="12" presetID="14" presetClass="entr" presetSubtype="10" fill="hold" nodeType="clickEffect">
+                                  <p:stCondLst>
+                                    <p:cond delay="0"/>
+                                  </p:stCondLst>
+                                  <p:childTnLst>
+                                    <p:set>
+                                      <p:cBhvr>
+                                        <p:cTn id="13" dur="1" fill="hold">
+                                          <p:stCondLst>
+                                            <p:cond delay="0"/>
+                                          </p:stCondLst>
+                                        </p:cTn>
+                                        <p:tgtEl>
+                                          <p:spTgt spid="12"/>
+                                        </p:tgtEl>
+                                        <p:attrNameLst>
+                                          <p:attrName>style.visibility</p:attrName>
+                                        </p:attrNameLst>
+                                      </p:cBhvr>
+                                      <p:to>
+                                        <p:strVal val="visible"/>
+                                      </p:to>
+                                    </p:set>
+                                    <p:animEffect transition="in" filter="randombar(horizontal)">
+                                      <p:cBhvr>
+                                        <p:cTn id="14" dur="500"/>
+                                        <p:tgtEl>
+                                          <p:spTgt spid="12"/>
+                                        </p:tgtEl>
+                                      </p:cBhvr>
+                                    </p:animEffect>
+                                  </p:childTnLst>
+                                </p:cTn>
+                              </p:par>
+                              <p:par>
+                                <p:cTn id="15" presetID="14" presetClass="entr" presetSubtype="10" fill="hold" grpId="0" nodeType="withEffect">
+                                  <p:stCondLst>
+                                    <p:cond delay="0"/>
+                                  </p:stCondLst>
+                                  <p:childTnLst>
+                                    <p:set>
+                                      <p:cBhvr>
+                                        <p:cTn id="16" dur="1" fill="hold">
+                                          <p:stCondLst>
+                                            <p:cond delay="0"/>
+                                          </p:stCondLst>
+                                        </p:cTn>
+                                        <p:tgtEl>
+                                          <p:spTgt spid="14"/>
+                                        </p:tgtEl>
+                                        <p:attrNameLst>
+                                          <p:attrName>style.visibility</p:attrName>
+                                        </p:attrNameLst>
+                                      </p:cBhvr>
+                                      <p:to>
+                                        <p:strVal val="visible"/>
+                                      </p:to>
+                                    </p:set>
+                                    <p:animEffect transition="in" filter="randombar(horizontal)">
+                                      <p:cBhvr>
+                                        <p:cTn id="17" dur="500"/>
+                                        <p:tgtEl>
+                                          <p:spTgt spid="14"/>
+                                        </p:tgtEl>
+                                      </p:cBhvr>
+                                    </p:animEffect>
+                                  </p:childTnLst>
+                                </p:cTn>
+                              </p:par>
+                              <p:par>
+                                <p:cTn id="18" presetID="6" presetClass="emph" presetSubtype="0" repeatCount="indefinite" autoRev="1" fill="hold" nodeType="withEffect">
+                                  <p:stCondLst>
+                                    <p:cond delay="0"/>
+                                  </p:stCondLst>
+                                  <p:childTnLst>
+                                    <p:animScale>
+                                      <p:cBhvr>
+                                        <p:cTn id="19" dur="500" fill="hold"/>
+                                        <p:tgtEl>
+                                          <p:spTgt spid="9"/>
+                                        </p:tgtEl>
+                                      </p:cBhvr>
+                                      <p:by x="50000" y="50000"/>
+                                    </p:animScale>
+                                  </p:childTnLst>
+                                </p:cTn>
+                              </p:par>
+                            </p:childTnLst>
+                          </p:cTn>
+                        </p:par>
+                      </p:childTnLst>
+                    </p:cTn>
+                  </p:par>
+                </p:childTnLst>
+              </p:cTn>
+              <p:prevCondLst>
+                <p:cond evt="onPrev" delay="0">
+                  <p:tgtEl>
+                    <p:sldTgt/>
+                  </p:tgtEl>
+                </p:cond>
+              </p:prevCondLst>
+              <p:nextCondLst>
+                <p:cond evt="onNext" delay="0">
+                  <p:tgtEl>
+                    <p:sldTgt/>
+                  </p:tgtEl>
+                </p:cond>
+              </p:nextCondLst>
+            </p:seq>
+          </p:childTnLst>
+        </p:cTn>
+      </p:par>
+    </p:tnLst>
+    <p:bldLst>
+      <p:bldP spid="2" grpId="0" animBg="1"/>
+      <p:bldP spid="14" grpId="0"/>
+    </p:bldLst>
+  </p:timing>
 </p:sld>
 </file>
 
@@ -12798,11 +15095,10 @@
           </a:bodyPr>
           <a:lstStyle/>
           <a:p>
-            <a:pPr rtl="0"/>
-            <a:r>
-              <a:rPr lang="ru-RU" dirty="0"/>
-              <a:t>•</a:t>
-            </a:r>
+            <a:pPr marL="342900" indent="-342900" rtl="0">
+              <a:buFont typeface="Arial" panose="020B0604020202020204" pitchFamily="34" charset="0"/>
+              <a:buChar char="•"/>
+            </a:pPr>
             <a:r>
               <a:rPr lang="en-US" dirty="0"/>
               <a:t> </a:t>
@@ -12813,18 +15109,24 @@
             </a:r>
           </a:p>
           <a:p>
-            <a:pPr rtl="0"/>
+            <a:pPr marL="342900" indent="-342900" rtl="0">
+              <a:buFont typeface="Arial" panose="020B0604020202020204" pitchFamily="34" charset="0"/>
+              <a:buChar char="•"/>
+            </a:pPr>
             <a:r>
               <a:rPr lang="ru-RU" dirty="0"/>
-              <a:t>• Основная информация:</a:t>
+              <a:t>Основная информация:</a:t>
             </a:r>
             <a:endParaRPr lang="en-US" dirty="0"/>
           </a:p>
           <a:p>
-            <a:pPr rtl="0"/>
+            <a:pPr marL="342900" indent="-342900" rtl="0">
+              <a:buFont typeface="Arial" panose="020B0604020202020204" pitchFamily="34" charset="0"/>
+              <a:buChar char="•"/>
+            </a:pPr>
             <a:r>
               <a:rPr lang="ru-RU" dirty="0"/>
-              <a:t>•• Цель </a:t>
+              <a:t> Цель </a:t>
             </a:r>
             <a:r>
               <a:rPr lang="ru-RU" dirty="0">
@@ -12842,101 +15144,58 @@
             </a:r>
           </a:p>
           <a:p>
-            <a:pPr rtl="0"/>
+            <a:pPr marL="342900" indent="-342900" rtl="0">
+              <a:buFont typeface="Arial" panose="020B0604020202020204" pitchFamily="34" charset="0"/>
+              <a:buChar char="•"/>
+            </a:pPr>
             <a:r>
               <a:rPr lang="ru-RU" dirty="0"/>
-              <a:t>•• Актуальность работы</a:t>
+              <a:t> Актуальность работы</a:t>
             </a:r>
           </a:p>
           <a:p>
-            <a:pPr rtl="0"/>
+            <a:pPr marL="342900" indent="-342900" rtl="0">
+              <a:buFont typeface="Arial" panose="020B0604020202020204" pitchFamily="34" charset="0"/>
+              <a:buChar char="•"/>
+            </a:pPr>
             <a:r>
               <a:rPr lang="ru-RU" dirty="0"/>
-              <a:t>• Выбор средств разработки</a:t>
+              <a:t> Выбор средств разработки</a:t>
             </a:r>
           </a:p>
           <a:p>
-            <a:pPr rtl="0"/>
+            <a:pPr marL="342900" indent="-342900" rtl="0">
+              <a:buFont typeface="Arial" panose="020B0604020202020204" pitchFamily="34" charset="0"/>
+              <a:buChar char="•"/>
+            </a:pPr>
             <a:r>
               <a:rPr lang="ru-RU" dirty="0"/>
-              <a:t>• Дополнительные сведения</a:t>
+              <a:t> Дополнительные сведения</a:t>
             </a:r>
-            <a:r>
-              <a:rPr lang="en-US" dirty="0"/>
-              <a:t>:</a:t>
-            </a:r>
-          </a:p>
-          <a:p>
-            <a:pPr rtl="0"/>
-            <a:r>
-              <a:rPr lang="ru-RU" dirty="0"/>
-              <a:t>••</a:t>
-            </a:r>
+            <a:endParaRPr lang="en-US" dirty="0"/>
+          </a:p>
+          <a:p>
+            <a:pPr marL="342900" indent="-342900" rtl="0">
+              <a:buFont typeface="Arial" panose="020B0604020202020204" pitchFamily="34" charset="0"/>
+              <a:buChar char="•"/>
+            </a:pPr>
             <a:r>
               <a:rPr lang="en-US" dirty="0"/>
               <a:t> </a:t>
             </a:r>
             <a:r>
               <a:rPr lang="ru-RU" dirty="0"/>
-              <a:t> </a:t>
+              <a:t>Заключение</a:t>
             </a:r>
-            <a:r>
-              <a:rPr lang="ru-RU" sz="2000" dirty="0">
-                <a:effectLst/>
-                <a:ea typeface="Calibri" panose="020F0502020204030204" pitchFamily="34" charset="0"/>
-                <a:cs typeface="Calibri" panose="020F0502020204030204" pitchFamily="34" charset="0"/>
-              </a:rPr>
-              <a:t>Моделирование с использованием UML-диаграмм</a:t>
-            </a:r>
-            <a:r>
-              <a:rPr lang="ru-RU" sz="2000" b="1" dirty="0">
-                <a:ea typeface="Calibri" panose="020F0502020204030204" pitchFamily="34" charset="0"/>
-                <a:cs typeface="Calibri" panose="020F0502020204030204" pitchFamily="34" charset="0"/>
-              </a:rPr>
-              <a:t> </a:t>
-            </a:r>
-          </a:p>
-          <a:p>
-            <a:pPr rtl="0"/>
+          </a:p>
+          <a:p>
+            <a:pPr marL="342900" indent="-342900">
+              <a:buFont typeface="Arial" panose="020B0604020202020204" pitchFamily="34" charset="0"/>
+              <a:buChar char="•"/>
+            </a:pPr>
             <a:r>
               <a:rPr lang="ru-RU" dirty="0"/>
-              <a:t>••</a:t>
-            </a:r>
-            <a:r>
-              <a:rPr lang="ru-RU" sz="2000" dirty="0"/>
-              <a:t> Разработка макета приложения</a:t>
-            </a:r>
-            <a:endParaRPr lang="ru-RU" dirty="0"/>
-          </a:p>
-          <a:p>
-            <a:pPr rtl="0"/>
-            <a:r>
-              <a:rPr lang="ru-RU" dirty="0"/>
-              <a:t>••</a:t>
-            </a:r>
-            <a:r>
-              <a:rPr lang="ru-RU" sz="2000" dirty="0"/>
-              <a:t> Разработка макета репозитория</a:t>
-            </a:r>
-            <a:endParaRPr lang="ru-RU" dirty="0"/>
-          </a:p>
-          <a:p>
-            <a:pPr rtl="0"/>
-            <a:r>
-              <a:rPr lang="ru-RU" dirty="0"/>
-              <a:t>•• Этапы сохранения файлов</a:t>
-            </a:r>
-          </a:p>
-          <a:p>
-            <a:r>
-              <a:rPr lang="ru-RU" dirty="0"/>
-              <a:t>• Заключение</a:t>
-            </a:r>
-          </a:p>
-          <a:p>
-            <a:r>
-              <a:rPr lang="ru-RU" dirty="0"/>
-              <a:t>• Источники информации</a:t>
+              <a:t> Источники информации</a:t>
             </a:r>
           </a:p>
           <a:p>
@@ -12985,10 +15244,10 @@
       </p:pic>
       <p:pic>
         <p:nvPicPr>
-          <p:cNvPr id="7" name="Рисунок 6">
-            <a:extLst>
-              <a:ext uri="{FF2B5EF4-FFF2-40B4-BE49-F238E27FC236}">
-                <a16:creationId xmlns:a16="http://schemas.microsoft.com/office/drawing/2014/main" id="{F780E519-86E1-4F63-A911-3F0001EE0192}"/>
+          <p:cNvPr id="9" name="Рисунок 8">
+            <a:extLst>
+              <a:ext uri="{FF2B5EF4-FFF2-40B4-BE49-F238E27FC236}">
+                <a16:creationId xmlns:a16="http://schemas.microsoft.com/office/drawing/2014/main" id="{7B72AD21-C2C5-4E47-AF4C-B6D177B75235}"/>
               </a:ext>
             </a:extLst>
           </p:cNvPr>
@@ -13023,6 +15282,794 @@
   <p:clrMapOvr>
     <a:masterClrMapping/>
   </p:clrMapOvr>
+  <mc:AlternateContent xmlns:mc="http://schemas.openxmlformats.org/markup-compatibility/2006" xmlns:p14="http://schemas.microsoft.com/office/powerpoint/2010/main">
+    <mc:Choice Requires="p14">
+      <p:transition spd="slow" p14:dur="1600">
+        <p:blinds dir="vert"/>
+      </p:transition>
+    </mc:Choice>
+    <mc:Fallback xmlns="">
+      <p:transition spd="slow">
+        <p:blinds dir="vert"/>
+      </p:transition>
+    </mc:Fallback>
+  </mc:AlternateContent>
+  <p:timing>
+    <p:tnLst>
+      <p:par>
+        <p:cTn id="1" dur="indefinite" restart="never" nodeType="tmRoot">
+          <p:childTnLst>
+            <p:seq concurrent="1" nextAc="seek">
+              <p:cTn id="2" dur="indefinite" nodeType="mainSeq">
+                <p:childTnLst>
+                  <p:par>
+                    <p:cTn id="3" fill="hold">
+                      <p:stCondLst>
+                        <p:cond delay="indefinite"/>
+                        <p:cond evt="onBegin" delay="0">
+                          <p:tn val="2"/>
+                        </p:cond>
+                      </p:stCondLst>
+                      <p:childTnLst>
+                        <p:par>
+                          <p:cTn id="4" fill="hold">
+                            <p:stCondLst>
+                              <p:cond delay="0"/>
+                            </p:stCondLst>
+                            <p:childTnLst>
+                              <p:par>
+                                <p:cTn id="5" presetID="6" presetClass="emph" presetSubtype="0" repeatCount="indefinite" autoRev="1" fill="hold" nodeType="withEffect">
+                                  <p:stCondLst>
+                                    <p:cond delay="0"/>
+                                  </p:stCondLst>
+                                  <p:childTnLst>
+                                    <p:animScale>
+                                      <p:cBhvr>
+                                        <p:cTn id="6" dur="500" fill="hold"/>
+                                        <p:tgtEl>
+                                          <p:spTgt spid="9"/>
+                                        </p:tgtEl>
+                                      </p:cBhvr>
+                                      <p:by x="50000" y="50000"/>
+                                    </p:animScale>
+                                  </p:childTnLst>
+                                </p:cTn>
+                              </p:par>
+                              <p:par>
+                                <p:cTn id="7" presetID="14" presetClass="entr" presetSubtype="10" fill="hold" grpId="0" nodeType="withEffect">
+                                  <p:stCondLst>
+                                    <p:cond delay="0"/>
+                                  </p:stCondLst>
+                                  <p:childTnLst>
+                                    <p:set>
+                                      <p:cBhvr>
+                                        <p:cTn id="8" dur="1" fill="hold">
+                                          <p:stCondLst>
+                                            <p:cond delay="0"/>
+                                          </p:stCondLst>
+                                        </p:cTn>
+                                        <p:tgtEl>
+                                          <p:spTgt spid="3">
+                                            <p:txEl>
+                                              <p:pRg st="0" end="0"/>
+                                            </p:txEl>
+                                          </p:spTgt>
+                                        </p:tgtEl>
+                                        <p:attrNameLst>
+                                          <p:attrName>style.visibility</p:attrName>
+                                        </p:attrNameLst>
+                                      </p:cBhvr>
+                                      <p:to>
+                                        <p:strVal val="visible"/>
+                                      </p:to>
+                                    </p:set>
+                                    <p:animEffect transition="in" filter="randombar(horizontal)">
+                                      <p:cBhvr>
+                                        <p:cTn id="9" dur="500"/>
+                                        <p:tgtEl>
+                                          <p:spTgt spid="3">
+                                            <p:txEl>
+                                              <p:pRg st="0" end="0"/>
+                                            </p:txEl>
+                                          </p:spTgt>
+                                        </p:tgtEl>
+                                      </p:cBhvr>
+                                    </p:animEffect>
+                                  </p:childTnLst>
+                                </p:cTn>
+                              </p:par>
+                              <p:par>
+                                <p:cTn id="10" presetID="14" presetClass="entr" presetSubtype="10" fill="hold" grpId="0" nodeType="withEffect">
+                                  <p:stCondLst>
+                                    <p:cond delay="0"/>
+                                  </p:stCondLst>
+                                  <p:childTnLst>
+                                    <p:set>
+                                      <p:cBhvr>
+                                        <p:cTn id="11" dur="1" fill="hold">
+                                          <p:stCondLst>
+                                            <p:cond delay="0"/>
+                                          </p:stCondLst>
+                                        </p:cTn>
+                                        <p:tgtEl>
+                                          <p:spTgt spid="3">
+                                            <p:txEl>
+                                              <p:pRg st="1" end="1"/>
+                                            </p:txEl>
+                                          </p:spTgt>
+                                        </p:tgtEl>
+                                        <p:attrNameLst>
+                                          <p:attrName>style.visibility</p:attrName>
+                                        </p:attrNameLst>
+                                      </p:cBhvr>
+                                      <p:to>
+                                        <p:strVal val="visible"/>
+                                      </p:to>
+                                    </p:set>
+                                    <p:animEffect transition="in" filter="randombar(horizontal)">
+                                      <p:cBhvr>
+                                        <p:cTn id="12" dur="500"/>
+                                        <p:tgtEl>
+                                          <p:spTgt spid="3">
+                                            <p:txEl>
+                                              <p:pRg st="1" end="1"/>
+                                            </p:txEl>
+                                          </p:spTgt>
+                                        </p:tgtEl>
+                                      </p:cBhvr>
+                                    </p:animEffect>
+                                  </p:childTnLst>
+                                </p:cTn>
+                              </p:par>
+                              <p:par>
+                                <p:cTn id="13" presetID="14" presetClass="entr" presetSubtype="10" fill="hold" grpId="0" nodeType="withEffect">
+                                  <p:stCondLst>
+                                    <p:cond delay="0"/>
+                                  </p:stCondLst>
+                                  <p:childTnLst>
+                                    <p:set>
+                                      <p:cBhvr>
+                                        <p:cTn id="14" dur="1" fill="hold">
+                                          <p:stCondLst>
+                                            <p:cond delay="0"/>
+                                          </p:stCondLst>
+                                        </p:cTn>
+                                        <p:tgtEl>
+                                          <p:spTgt spid="3">
+                                            <p:txEl>
+                                              <p:pRg st="2" end="2"/>
+                                            </p:txEl>
+                                          </p:spTgt>
+                                        </p:tgtEl>
+                                        <p:attrNameLst>
+                                          <p:attrName>style.visibility</p:attrName>
+                                        </p:attrNameLst>
+                                      </p:cBhvr>
+                                      <p:to>
+                                        <p:strVal val="visible"/>
+                                      </p:to>
+                                    </p:set>
+                                    <p:animEffect transition="in" filter="randombar(horizontal)">
+                                      <p:cBhvr>
+                                        <p:cTn id="15" dur="500"/>
+                                        <p:tgtEl>
+                                          <p:spTgt spid="3">
+                                            <p:txEl>
+                                              <p:pRg st="2" end="2"/>
+                                            </p:txEl>
+                                          </p:spTgt>
+                                        </p:tgtEl>
+                                      </p:cBhvr>
+                                    </p:animEffect>
+                                  </p:childTnLst>
+                                </p:cTn>
+                              </p:par>
+                              <p:par>
+                                <p:cTn id="16" presetID="14" presetClass="entr" presetSubtype="10" fill="hold" grpId="0" nodeType="withEffect">
+                                  <p:stCondLst>
+                                    <p:cond delay="0"/>
+                                  </p:stCondLst>
+                                  <p:childTnLst>
+                                    <p:set>
+                                      <p:cBhvr>
+                                        <p:cTn id="17" dur="1" fill="hold">
+                                          <p:stCondLst>
+                                            <p:cond delay="0"/>
+                                          </p:stCondLst>
+                                        </p:cTn>
+                                        <p:tgtEl>
+                                          <p:spTgt spid="3">
+                                            <p:txEl>
+                                              <p:pRg st="3" end="3"/>
+                                            </p:txEl>
+                                          </p:spTgt>
+                                        </p:tgtEl>
+                                        <p:attrNameLst>
+                                          <p:attrName>style.visibility</p:attrName>
+                                        </p:attrNameLst>
+                                      </p:cBhvr>
+                                      <p:to>
+                                        <p:strVal val="visible"/>
+                                      </p:to>
+                                    </p:set>
+                                    <p:animEffect transition="in" filter="randombar(horizontal)">
+                                      <p:cBhvr>
+                                        <p:cTn id="18" dur="500"/>
+                                        <p:tgtEl>
+                                          <p:spTgt spid="3">
+                                            <p:txEl>
+                                              <p:pRg st="3" end="3"/>
+                                            </p:txEl>
+                                          </p:spTgt>
+                                        </p:tgtEl>
+                                      </p:cBhvr>
+                                    </p:animEffect>
+                                  </p:childTnLst>
+                                </p:cTn>
+                              </p:par>
+                              <p:par>
+                                <p:cTn id="19" presetID="14" presetClass="entr" presetSubtype="10" fill="hold" grpId="0" nodeType="withEffect">
+                                  <p:stCondLst>
+                                    <p:cond delay="0"/>
+                                  </p:stCondLst>
+                                  <p:childTnLst>
+                                    <p:set>
+                                      <p:cBhvr>
+                                        <p:cTn id="20" dur="1" fill="hold">
+                                          <p:stCondLst>
+                                            <p:cond delay="0"/>
+                                          </p:stCondLst>
+                                        </p:cTn>
+                                        <p:tgtEl>
+                                          <p:spTgt spid="3">
+                                            <p:txEl>
+                                              <p:pRg st="4" end="4"/>
+                                            </p:txEl>
+                                          </p:spTgt>
+                                        </p:tgtEl>
+                                        <p:attrNameLst>
+                                          <p:attrName>style.visibility</p:attrName>
+                                        </p:attrNameLst>
+                                      </p:cBhvr>
+                                      <p:to>
+                                        <p:strVal val="visible"/>
+                                      </p:to>
+                                    </p:set>
+                                    <p:animEffect transition="in" filter="randombar(horizontal)">
+                                      <p:cBhvr>
+                                        <p:cTn id="21" dur="500"/>
+                                        <p:tgtEl>
+                                          <p:spTgt spid="3">
+                                            <p:txEl>
+                                              <p:pRg st="4" end="4"/>
+                                            </p:txEl>
+                                          </p:spTgt>
+                                        </p:tgtEl>
+                                      </p:cBhvr>
+                                    </p:animEffect>
+                                  </p:childTnLst>
+                                </p:cTn>
+                              </p:par>
+                              <p:par>
+                                <p:cTn id="22" presetID="14" presetClass="entr" presetSubtype="10" fill="hold" grpId="0" nodeType="withEffect">
+                                  <p:stCondLst>
+                                    <p:cond delay="0"/>
+                                  </p:stCondLst>
+                                  <p:childTnLst>
+                                    <p:set>
+                                      <p:cBhvr>
+                                        <p:cTn id="23" dur="1" fill="hold">
+                                          <p:stCondLst>
+                                            <p:cond delay="0"/>
+                                          </p:stCondLst>
+                                        </p:cTn>
+                                        <p:tgtEl>
+                                          <p:spTgt spid="3">
+                                            <p:txEl>
+                                              <p:pRg st="5" end="5"/>
+                                            </p:txEl>
+                                          </p:spTgt>
+                                        </p:tgtEl>
+                                        <p:attrNameLst>
+                                          <p:attrName>style.visibility</p:attrName>
+                                        </p:attrNameLst>
+                                      </p:cBhvr>
+                                      <p:to>
+                                        <p:strVal val="visible"/>
+                                      </p:to>
+                                    </p:set>
+                                    <p:animEffect transition="in" filter="randombar(horizontal)">
+                                      <p:cBhvr>
+                                        <p:cTn id="24" dur="500"/>
+                                        <p:tgtEl>
+                                          <p:spTgt spid="3">
+                                            <p:txEl>
+                                              <p:pRg st="5" end="5"/>
+                                            </p:txEl>
+                                          </p:spTgt>
+                                        </p:tgtEl>
+                                      </p:cBhvr>
+                                    </p:animEffect>
+                                  </p:childTnLst>
+                                </p:cTn>
+                              </p:par>
+                              <p:par>
+                                <p:cTn id="25" presetID="14" presetClass="entr" presetSubtype="10" fill="hold" grpId="0" nodeType="withEffect">
+                                  <p:stCondLst>
+                                    <p:cond delay="0"/>
+                                  </p:stCondLst>
+                                  <p:childTnLst>
+                                    <p:set>
+                                      <p:cBhvr>
+                                        <p:cTn id="26" dur="1" fill="hold">
+                                          <p:stCondLst>
+                                            <p:cond delay="0"/>
+                                          </p:stCondLst>
+                                        </p:cTn>
+                                        <p:tgtEl>
+                                          <p:spTgt spid="3">
+                                            <p:txEl>
+                                              <p:pRg st="6" end="6"/>
+                                            </p:txEl>
+                                          </p:spTgt>
+                                        </p:tgtEl>
+                                        <p:attrNameLst>
+                                          <p:attrName>style.visibility</p:attrName>
+                                        </p:attrNameLst>
+                                      </p:cBhvr>
+                                      <p:to>
+                                        <p:strVal val="visible"/>
+                                      </p:to>
+                                    </p:set>
+                                    <p:animEffect transition="in" filter="randombar(horizontal)">
+                                      <p:cBhvr>
+                                        <p:cTn id="27" dur="500"/>
+                                        <p:tgtEl>
+                                          <p:spTgt spid="3">
+                                            <p:txEl>
+                                              <p:pRg st="6" end="6"/>
+                                            </p:txEl>
+                                          </p:spTgt>
+                                        </p:tgtEl>
+                                      </p:cBhvr>
+                                    </p:animEffect>
+                                  </p:childTnLst>
+                                </p:cTn>
+                              </p:par>
+                              <p:par>
+                                <p:cTn id="28" presetID="14" presetClass="entr" presetSubtype="10" fill="hold" grpId="0" nodeType="withEffect">
+                                  <p:stCondLst>
+                                    <p:cond delay="0"/>
+                                  </p:stCondLst>
+                                  <p:childTnLst>
+                                    <p:set>
+                                      <p:cBhvr>
+                                        <p:cTn id="29" dur="1" fill="hold">
+                                          <p:stCondLst>
+                                            <p:cond delay="0"/>
+                                          </p:stCondLst>
+                                        </p:cTn>
+                                        <p:tgtEl>
+                                          <p:spTgt spid="3">
+                                            <p:txEl>
+                                              <p:pRg st="7" end="7"/>
+                                            </p:txEl>
+                                          </p:spTgt>
+                                        </p:tgtEl>
+                                        <p:attrNameLst>
+                                          <p:attrName>style.visibility</p:attrName>
+                                        </p:attrNameLst>
+                                      </p:cBhvr>
+                                      <p:to>
+                                        <p:strVal val="visible"/>
+                                      </p:to>
+                                    </p:set>
+                                    <p:animEffect transition="in" filter="randombar(horizontal)">
+                                      <p:cBhvr>
+                                        <p:cTn id="30" dur="500"/>
+                                        <p:tgtEl>
+                                          <p:spTgt spid="3">
+                                            <p:txEl>
+                                              <p:pRg st="7" end="7"/>
+                                            </p:txEl>
+                                          </p:spTgt>
+                                        </p:tgtEl>
+                                      </p:cBhvr>
+                                    </p:animEffect>
+                                  </p:childTnLst>
+                                </p:cTn>
+                              </p:par>
+                              <p:par>
+                                <p:cTn id="31" presetID="42" presetClass="entr" presetSubtype="0" fill="hold" grpId="0" nodeType="withEffect">
+                                  <p:stCondLst>
+                                    <p:cond delay="0"/>
+                                  </p:stCondLst>
+                                  <p:childTnLst>
+                                    <p:set>
+                                      <p:cBhvr>
+                                        <p:cTn id="32" dur="1" fill="hold">
+                                          <p:stCondLst>
+                                            <p:cond delay="0"/>
+                                          </p:stCondLst>
+                                        </p:cTn>
+                                        <p:tgtEl>
+                                          <p:spTgt spid="51"/>
+                                        </p:tgtEl>
+                                        <p:attrNameLst>
+                                          <p:attrName>style.visibility</p:attrName>
+                                        </p:attrNameLst>
+                                      </p:cBhvr>
+                                      <p:to>
+                                        <p:strVal val="visible"/>
+                                      </p:to>
+                                    </p:set>
+                                    <p:animEffect transition="in" filter="fade">
+                                      <p:cBhvr>
+                                        <p:cTn id="33" dur="1000"/>
+                                        <p:tgtEl>
+                                          <p:spTgt spid="51"/>
+                                        </p:tgtEl>
+                                      </p:cBhvr>
+                                    </p:animEffect>
+                                    <p:anim calcmode="lin" valueType="num">
+                                      <p:cBhvr>
+                                        <p:cTn id="34" dur="1000" fill="hold"/>
+                                        <p:tgtEl>
+                                          <p:spTgt spid="51"/>
+                                        </p:tgtEl>
+                                        <p:attrNameLst>
+                                          <p:attrName>ppt_x</p:attrName>
+                                        </p:attrNameLst>
+                                      </p:cBhvr>
+                                      <p:tavLst>
+                                        <p:tav tm="0">
+                                          <p:val>
+                                            <p:strVal val="#ppt_x"/>
+                                          </p:val>
+                                        </p:tav>
+                                        <p:tav tm="100000">
+                                          <p:val>
+                                            <p:strVal val="#ppt_x"/>
+                                          </p:val>
+                                        </p:tav>
+                                      </p:tavLst>
+                                    </p:anim>
+                                    <p:anim calcmode="lin" valueType="num">
+                                      <p:cBhvr>
+                                        <p:cTn id="35" dur="1000" fill="hold"/>
+                                        <p:tgtEl>
+                                          <p:spTgt spid="51"/>
+                                        </p:tgtEl>
+                                        <p:attrNameLst>
+                                          <p:attrName>ppt_y</p:attrName>
+                                        </p:attrNameLst>
+                                      </p:cBhvr>
+                                      <p:tavLst>
+                                        <p:tav tm="0">
+                                          <p:val>
+                                            <p:strVal val="#ppt_y+.1"/>
+                                          </p:val>
+                                        </p:tav>
+                                        <p:tav tm="100000">
+                                          <p:val>
+                                            <p:strVal val="#ppt_y"/>
+                                          </p:val>
+                                        </p:tav>
+                                      </p:tavLst>
+                                    </p:anim>
+                                  </p:childTnLst>
+                                </p:cTn>
+                              </p:par>
+                              <p:par>
+                                <p:cTn id="36" presetID="26" presetClass="entr" presetSubtype="0" fill="hold" nodeType="withEffect">
+                                  <p:stCondLst>
+                                    <p:cond delay="0"/>
+                                  </p:stCondLst>
+                                  <p:childTnLst>
+                                    <p:set>
+                                      <p:cBhvr>
+                                        <p:cTn id="37" dur="1" fill="hold">
+                                          <p:stCondLst>
+                                            <p:cond delay="0"/>
+                                          </p:stCondLst>
+                                        </p:cTn>
+                                        <p:tgtEl>
+                                          <p:spTgt spid="6"/>
+                                        </p:tgtEl>
+                                        <p:attrNameLst>
+                                          <p:attrName>style.visibility</p:attrName>
+                                        </p:attrNameLst>
+                                      </p:cBhvr>
+                                      <p:to>
+                                        <p:strVal val="visible"/>
+                                      </p:to>
+                                    </p:set>
+                                    <p:animEffect transition="in" filter="wipe(down)">
+                                      <p:cBhvr>
+                                        <p:cTn id="38" dur="580">
+                                          <p:stCondLst>
+                                            <p:cond delay="0"/>
+                                          </p:stCondLst>
+                                        </p:cTn>
+                                        <p:tgtEl>
+                                          <p:spTgt spid="6"/>
+                                        </p:tgtEl>
+                                      </p:cBhvr>
+                                    </p:animEffect>
+                                    <p:anim calcmode="lin" valueType="num">
+                                      <p:cBhvr>
+                                        <p:cTn id="39" dur="1822" tmFilter="0,0; 0.14,0.36; 0.43,0.73; 0.71,0.91; 1.0,1.0">
+                                          <p:stCondLst>
+                                            <p:cond delay="0"/>
+                                          </p:stCondLst>
+                                        </p:cTn>
+                                        <p:tgtEl>
+                                          <p:spTgt spid="6"/>
+                                        </p:tgtEl>
+                                        <p:attrNameLst>
+                                          <p:attrName>ppt_x</p:attrName>
+                                        </p:attrNameLst>
+                                      </p:cBhvr>
+                                      <p:tavLst>
+                                        <p:tav tm="0">
+                                          <p:val>
+                                            <p:strVal val="#ppt_x-0.25"/>
+                                          </p:val>
+                                        </p:tav>
+                                        <p:tav tm="100000">
+                                          <p:val>
+                                            <p:strVal val="#ppt_x"/>
+                                          </p:val>
+                                        </p:tav>
+                                      </p:tavLst>
+                                    </p:anim>
+                                    <p:anim calcmode="lin" valueType="num">
+                                      <p:cBhvr>
+                                        <p:cTn id="40" dur="664" tmFilter="0.0,0.0; 0.25,0.07; 0.50,0.2; 0.75,0.467; 1.0,1.0">
+                                          <p:stCondLst>
+                                            <p:cond delay="0"/>
+                                          </p:stCondLst>
+                                        </p:cTn>
+                                        <p:tgtEl>
+                                          <p:spTgt spid="6"/>
+                                        </p:tgtEl>
+                                        <p:attrNameLst>
+                                          <p:attrName>ppt_y</p:attrName>
+                                        </p:attrNameLst>
+                                      </p:cBhvr>
+                                      <p:tavLst>
+                                        <p:tav tm="0" fmla="#ppt_y-sin(pi*$)/3">
+                                          <p:val>
+                                            <p:fltVal val="0.5"/>
+                                          </p:val>
+                                        </p:tav>
+                                        <p:tav tm="100000">
+                                          <p:val>
+                                            <p:fltVal val="1"/>
+                                          </p:val>
+                                        </p:tav>
+                                      </p:tavLst>
+                                    </p:anim>
+                                    <p:anim calcmode="lin" valueType="num">
+                                      <p:cBhvr>
+                                        <p:cTn id="41" dur="664" tmFilter="0, 0; 0.125,0.2665; 0.25,0.4; 0.375,0.465; 0.5,0.5;  0.625,0.535; 0.75,0.6; 0.875,0.7335; 1,1">
+                                          <p:stCondLst>
+                                            <p:cond delay="664"/>
+                                          </p:stCondLst>
+                                        </p:cTn>
+                                        <p:tgtEl>
+                                          <p:spTgt spid="6"/>
+                                        </p:tgtEl>
+                                        <p:attrNameLst>
+                                          <p:attrName>ppt_y</p:attrName>
+                                        </p:attrNameLst>
+                                      </p:cBhvr>
+                                      <p:tavLst>
+                                        <p:tav tm="0" fmla="#ppt_y-sin(pi*$)/9">
+                                          <p:val>
+                                            <p:fltVal val="0"/>
+                                          </p:val>
+                                        </p:tav>
+                                        <p:tav tm="100000">
+                                          <p:val>
+                                            <p:fltVal val="1"/>
+                                          </p:val>
+                                        </p:tav>
+                                      </p:tavLst>
+                                    </p:anim>
+                                    <p:anim calcmode="lin" valueType="num">
+                                      <p:cBhvr>
+                                        <p:cTn id="42" dur="332" tmFilter="0, 0; 0.125,0.2665; 0.25,0.4; 0.375,0.465; 0.5,0.5;  0.625,0.535; 0.75,0.6; 0.875,0.7335; 1,1">
+                                          <p:stCondLst>
+                                            <p:cond delay="1324"/>
+                                          </p:stCondLst>
+                                        </p:cTn>
+                                        <p:tgtEl>
+                                          <p:spTgt spid="6"/>
+                                        </p:tgtEl>
+                                        <p:attrNameLst>
+                                          <p:attrName>ppt_y</p:attrName>
+                                        </p:attrNameLst>
+                                      </p:cBhvr>
+                                      <p:tavLst>
+                                        <p:tav tm="0" fmla="#ppt_y-sin(pi*$)/27">
+                                          <p:val>
+                                            <p:fltVal val="0"/>
+                                          </p:val>
+                                        </p:tav>
+                                        <p:tav tm="100000">
+                                          <p:val>
+                                            <p:fltVal val="1"/>
+                                          </p:val>
+                                        </p:tav>
+                                      </p:tavLst>
+                                    </p:anim>
+                                    <p:anim calcmode="lin" valueType="num">
+                                      <p:cBhvr>
+                                        <p:cTn id="43" dur="164" tmFilter="0, 0; 0.125,0.2665; 0.25,0.4; 0.375,0.465; 0.5,0.5;  0.625,0.535; 0.75,0.6; 0.875,0.7335; 1,1">
+                                          <p:stCondLst>
+                                            <p:cond delay="1656"/>
+                                          </p:stCondLst>
+                                        </p:cTn>
+                                        <p:tgtEl>
+                                          <p:spTgt spid="6"/>
+                                        </p:tgtEl>
+                                        <p:attrNameLst>
+                                          <p:attrName>ppt_y</p:attrName>
+                                        </p:attrNameLst>
+                                      </p:cBhvr>
+                                      <p:tavLst>
+                                        <p:tav tm="0" fmla="#ppt_y-sin(pi*$)/81">
+                                          <p:val>
+                                            <p:fltVal val="0"/>
+                                          </p:val>
+                                        </p:tav>
+                                        <p:tav tm="100000">
+                                          <p:val>
+                                            <p:fltVal val="1"/>
+                                          </p:val>
+                                        </p:tav>
+                                      </p:tavLst>
+                                    </p:anim>
+                                    <p:animScale>
+                                      <p:cBhvr>
+                                        <p:cTn id="44" dur="26">
+                                          <p:stCondLst>
+                                            <p:cond delay="650"/>
+                                          </p:stCondLst>
+                                        </p:cTn>
+                                        <p:tgtEl>
+                                          <p:spTgt spid="6"/>
+                                        </p:tgtEl>
+                                      </p:cBhvr>
+                                      <p:to x="100000" y="60000"/>
+                                    </p:animScale>
+                                    <p:animScale>
+                                      <p:cBhvr>
+                                        <p:cTn id="45" dur="166" decel="50000">
+                                          <p:stCondLst>
+                                            <p:cond delay="676"/>
+                                          </p:stCondLst>
+                                        </p:cTn>
+                                        <p:tgtEl>
+                                          <p:spTgt spid="6"/>
+                                        </p:tgtEl>
+                                      </p:cBhvr>
+                                      <p:to x="100000" y="100000"/>
+                                    </p:animScale>
+                                    <p:animScale>
+                                      <p:cBhvr>
+                                        <p:cTn id="46" dur="26">
+                                          <p:stCondLst>
+                                            <p:cond delay="1312"/>
+                                          </p:stCondLst>
+                                        </p:cTn>
+                                        <p:tgtEl>
+                                          <p:spTgt spid="6"/>
+                                        </p:tgtEl>
+                                      </p:cBhvr>
+                                      <p:to x="100000" y="80000"/>
+                                    </p:animScale>
+                                    <p:animScale>
+                                      <p:cBhvr>
+                                        <p:cTn id="47" dur="166" decel="50000">
+                                          <p:stCondLst>
+                                            <p:cond delay="1338"/>
+                                          </p:stCondLst>
+                                        </p:cTn>
+                                        <p:tgtEl>
+                                          <p:spTgt spid="6"/>
+                                        </p:tgtEl>
+                                      </p:cBhvr>
+                                      <p:to x="100000" y="100000"/>
+                                    </p:animScale>
+                                    <p:animScale>
+                                      <p:cBhvr>
+                                        <p:cTn id="48" dur="26">
+                                          <p:stCondLst>
+                                            <p:cond delay="1642"/>
+                                          </p:stCondLst>
+                                        </p:cTn>
+                                        <p:tgtEl>
+                                          <p:spTgt spid="6"/>
+                                        </p:tgtEl>
+                                      </p:cBhvr>
+                                      <p:to x="100000" y="90000"/>
+                                    </p:animScale>
+                                    <p:animScale>
+                                      <p:cBhvr>
+                                        <p:cTn id="49" dur="166" decel="50000">
+                                          <p:stCondLst>
+                                            <p:cond delay="1668"/>
+                                          </p:stCondLst>
+                                        </p:cTn>
+                                        <p:tgtEl>
+                                          <p:spTgt spid="6"/>
+                                        </p:tgtEl>
+                                      </p:cBhvr>
+                                      <p:to x="100000" y="100000"/>
+                                    </p:animScale>
+                                    <p:animScale>
+                                      <p:cBhvr>
+                                        <p:cTn id="50" dur="26">
+                                          <p:stCondLst>
+                                            <p:cond delay="1808"/>
+                                          </p:stCondLst>
+                                        </p:cTn>
+                                        <p:tgtEl>
+                                          <p:spTgt spid="6"/>
+                                        </p:tgtEl>
+                                      </p:cBhvr>
+                                      <p:to x="100000" y="95000"/>
+                                    </p:animScale>
+                                    <p:animScale>
+                                      <p:cBhvr>
+                                        <p:cTn id="51" dur="166" decel="50000">
+                                          <p:stCondLst>
+                                            <p:cond delay="1834"/>
+                                          </p:stCondLst>
+                                        </p:cTn>
+                                        <p:tgtEl>
+                                          <p:spTgt spid="6"/>
+                                        </p:tgtEl>
+                                      </p:cBhvr>
+                                      <p:to x="100000" y="100000"/>
+                                    </p:animScale>
+                                  </p:childTnLst>
+                                </p:cTn>
+                              </p:par>
+                            </p:childTnLst>
+                          </p:cTn>
+                        </p:par>
+                      </p:childTnLst>
+                    </p:cTn>
+                  </p:par>
+                </p:childTnLst>
+              </p:cTn>
+              <p:prevCondLst>
+                <p:cond evt="onPrev" delay="0">
+                  <p:tgtEl>
+                    <p:sldTgt/>
+                  </p:tgtEl>
+                </p:cond>
+              </p:prevCondLst>
+              <p:nextCondLst>
+                <p:cond evt="onNext" delay="0">
+                  <p:tgtEl>
+                    <p:sldTgt/>
+                  </p:tgtEl>
+                </p:cond>
+              </p:nextCondLst>
+            </p:seq>
+          </p:childTnLst>
+        </p:cTn>
+      </p:par>
+    </p:tnLst>
+    <p:bldLst>
+      <p:bldP spid="51" grpId="0" animBg="1"/>
+      <p:bldP spid="3" grpId="0" build="p"/>
+    </p:bldLst>
+  </p:timing>
 </p:sld>
 </file>
 
@@ -13158,26 +16205,19 @@
         </p:spPr>
         <p:txBody>
           <a:bodyPr vert="horz" lIns="91440" tIns="45720" rIns="91440" bIns="45720" rtlCol="0" anchor="t">
-            <a:normAutofit fontScale="92500" lnSpcReduction="10000"/>
+            <a:normAutofit/>
           </a:bodyPr>
           <a:lstStyle/>
           <a:p>
             <a:pPr rtl="0"/>
             <a:r>
               <a:rPr lang="ru-RU" dirty="0"/>
-              <a:t>Система контроля версий (СКВ) — это инструмент, используемый разработчиками программного обеспечения для управления изменениями в исходном коде и других файловых ресурсах.</a:t>
+              <a:t>Система контроля версий (СКВ) — это инструмент, используемый для управления изменениями в исходном коде и других файловых ресурсах.</a:t>
             </a:r>
           </a:p>
           <a:p>
             <a:pPr rtl="0"/>
             <a:endParaRPr lang="ru-RU" dirty="0"/>
-          </a:p>
-          <a:p>
-            <a:pPr rtl="0"/>
-            <a:r>
-              <a:rPr lang="ru-RU" dirty="0"/>
-              <a:t>Она позволяет отслеживать историю изменений, возвращаться к предыдущим версиям, сливать изменения из разных источников и сотрудничать с другими разработчиками.</a:t>
-            </a:r>
           </a:p>
         </p:txBody>
       </p:sp>
@@ -13230,10 +16270,10 @@
       </p:pic>
       <p:pic>
         <p:nvPicPr>
-          <p:cNvPr id="7" name="Рисунок 6">
-            <a:extLst>
-              <a:ext uri="{FF2B5EF4-FFF2-40B4-BE49-F238E27FC236}">
-                <a16:creationId xmlns:a16="http://schemas.microsoft.com/office/drawing/2014/main" id="{A5A2DD60-C4C0-4C13-A57C-B115DC7ABE77}"/>
+          <p:cNvPr id="8" name="Рисунок 7">
+            <a:extLst>
+              <a:ext uri="{FF2B5EF4-FFF2-40B4-BE49-F238E27FC236}">
+                <a16:creationId xmlns:a16="http://schemas.microsoft.com/office/drawing/2014/main" id="{CFB7A1C2-2381-4D34-93C9-C2ED66BB4F61}"/>
               </a:ext>
             </a:extLst>
           </p:cNvPr>
@@ -13268,6 +16308,206 @@
   <p:clrMapOvr>
     <a:masterClrMapping/>
   </p:clrMapOvr>
+  <mc:AlternateContent xmlns:mc="http://schemas.openxmlformats.org/markup-compatibility/2006" xmlns:p15="http://schemas.microsoft.com/office/powerpoint/2012/main">
+    <mc:Choice Requires="p15">
+      <p:transition xmlns:p14="http://schemas.microsoft.com/office/powerpoint/2010/main" spd="slow" p14:dur="9000">
+        <p15:prstTrans prst="wind"/>
+      </p:transition>
+    </mc:Choice>
+    <mc:Fallback xmlns="">
+      <p:transition spd="slow">
+        <p:fade/>
+      </p:transition>
+    </mc:Fallback>
+  </mc:AlternateContent>
+  <p:timing>
+    <p:tnLst>
+      <p:par>
+        <p:cTn id="1" dur="indefinite" restart="never" nodeType="tmRoot">
+          <p:childTnLst>
+            <p:seq concurrent="1" nextAc="seek">
+              <p:cTn id="2" dur="indefinite" nodeType="mainSeq">
+                <p:childTnLst>
+                  <p:par>
+                    <p:cTn id="3" fill="hold">
+                      <p:stCondLst>
+                        <p:cond delay="indefinite"/>
+                        <p:cond evt="onBegin" delay="0">
+                          <p:tn val="2"/>
+                        </p:cond>
+                      </p:stCondLst>
+                      <p:childTnLst>
+                        <p:par>
+                          <p:cTn id="4" fill="hold">
+                            <p:stCondLst>
+                              <p:cond delay="0"/>
+                            </p:stCondLst>
+                            <p:childTnLst>
+                              <p:par>
+                                <p:cTn id="5" presetID="6" presetClass="emph" presetSubtype="0" repeatCount="indefinite" autoRev="1" fill="hold" nodeType="withEffect">
+                                  <p:stCondLst>
+                                    <p:cond delay="0"/>
+                                  </p:stCondLst>
+                                  <p:childTnLst>
+                                    <p:animScale>
+                                      <p:cBhvr>
+                                        <p:cTn id="6" dur="500" fill="hold"/>
+                                        <p:tgtEl>
+                                          <p:spTgt spid="8"/>
+                                        </p:tgtEl>
+                                      </p:cBhvr>
+                                      <p:by x="50000" y="50000"/>
+                                    </p:animScale>
+                                  </p:childTnLst>
+                                </p:cTn>
+                              </p:par>
+                              <p:par>
+                                <p:cTn id="7" presetID="21" presetClass="entr" presetSubtype="1" fill="hold" nodeType="withEffect">
+                                  <p:stCondLst>
+                                    <p:cond delay="0"/>
+                                  </p:stCondLst>
+                                  <p:childTnLst>
+                                    <p:set>
+                                      <p:cBhvr>
+                                        <p:cTn id="8" dur="1" fill="hold">
+                                          <p:stCondLst>
+                                            <p:cond delay="0"/>
+                                          </p:stCondLst>
+                                        </p:cTn>
+                                        <p:tgtEl>
+                                          <p:spTgt spid="3074"/>
+                                        </p:tgtEl>
+                                        <p:attrNameLst>
+                                          <p:attrName>style.visibility</p:attrName>
+                                        </p:attrNameLst>
+                                      </p:cBhvr>
+                                      <p:to>
+                                        <p:strVal val="visible"/>
+                                      </p:to>
+                                    </p:set>
+                                    <p:animEffect transition="in" filter="wheel(1)">
+                                      <p:cBhvr>
+                                        <p:cTn id="9" dur="2000"/>
+                                        <p:tgtEl>
+                                          <p:spTgt spid="3074"/>
+                                        </p:tgtEl>
+                                      </p:cBhvr>
+                                    </p:animEffect>
+                                  </p:childTnLst>
+                                </p:cTn>
+                              </p:par>
+                              <p:par>
+                                <p:cTn id="10" presetID="53" presetClass="entr" presetSubtype="16" fill="hold" grpId="0" nodeType="withEffect">
+                                  <p:stCondLst>
+                                    <p:cond delay="0"/>
+                                  </p:stCondLst>
+                                  <p:childTnLst>
+                                    <p:set>
+                                      <p:cBhvr>
+                                        <p:cTn id="11" dur="1" fill="hold">
+                                          <p:stCondLst>
+                                            <p:cond delay="0"/>
+                                          </p:stCondLst>
+                                        </p:cTn>
+                                        <p:tgtEl>
+                                          <p:spTgt spid="4"/>
+                                        </p:tgtEl>
+                                        <p:attrNameLst>
+                                          <p:attrName>style.visibility</p:attrName>
+                                        </p:attrNameLst>
+                                      </p:cBhvr>
+                                      <p:to>
+                                        <p:strVal val="visible"/>
+                                      </p:to>
+                                    </p:set>
+                                    <p:anim calcmode="lin" valueType="num">
+                                      <p:cBhvr>
+                                        <p:cTn id="12" dur="500" fill="hold"/>
+                                        <p:tgtEl>
+                                          <p:spTgt spid="4"/>
+                                        </p:tgtEl>
+                                        <p:attrNameLst>
+                                          <p:attrName>ppt_w</p:attrName>
+                                        </p:attrNameLst>
+                                      </p:cBhvr>
+                                      <p:tavLst>
+                                        <p:tav tm="0">
+                                          <p:val>
+                                            <p:fltVal val="0"/>
+                                          </p:val>
+                                        </p:tav>
+                                        <p:tav tm="100000">
+                                          <p:val>
+                                            <p:strVal val="#ppt_w"/>
+                                          </p:val>
+                                        </p:tav>
+                                      </p:tavLst>
+                                    </p:anim>
+                                    <p:anim calcmode="lin" valueType="num">
+                                      <p:cBhvr>
+                                        <p:cTn id="13" dur="500" fill="hold"/>
+                                        <p:tgtEl>
+                                          <p:spTgt spid="4"/>
+                                        </p:tgtEl>
+                                        <p:attrNameLst>
+                                          <p:attrName>ppt_h</p:attrName>
+                                        </p:attrNameLst>
+                                      </p:cBhvr>
+                                      <p:tavLst>
+                                        <p:tav tm="0">
+                                          <p:val>
+                                            <p:fltVal val="0"/>
+                                          </p:val>
+                                        </p:tav>
+                                        <p:tav tm="100000">
+                                          <p:val>
+                                            <p:strVal val="#ppt_h"/>
+                                          </p:val>
+                                        </p:tav>
+                                      </p:tavLst>
+                                    </p:anim>
+                                    <p:animEffect transition="in" filter="fade">
+                                      <p:cBhvr>
+                                        <p:cTn id="14" dur="500"/>
+                                        <p:tgtEl>
+                                          <p:spTgt spid="4"/>
+                                        </p:tgtEl>
+                                      </p:cBhvr>
+                                    </p:animEffect>
+                                  </p:childTnLst>
+                                </p:cTn>
+                              </p:par>
+                            </p:childTnLst>
+                          </p:cTn>
+                        </p:par>
+                      </p:childTnLst>
+                    </p:cTn>
+                  </p:par>
+                </p:childTnLst>
+              </p:cTn>
+              <p:prevCondLst>
+                <p:cond evt="onPrev" delay="0">
+                  <p:tgtEl>
+                    <p:sldTgt/>
+                  </p:tgtEl>
+                </p:cond>
+              </p:prevCondLst>
+              <p:nextCondLst>
+                <p:cond evt="onNext" delay="0">
+                  <p:tgtEl>
+                    <p:sldTgt/>
+                  </p:tgtEl>
+                </p:cond>
+              </p:nextCondLst>
+            </p:seq>
+          </p:childTnLst>
+        </p:cTn>
+      </p:par>
+    </p:tnLst>
+    <p:bldLst>
+      <p:bldP spid="4" grpId="0" animBg="1"/>
+    </p:bldLst>
+  </p:timing>
 </p:sld>
 </file>
 
@@ -13475,10 +16715,10 @@
       </p:pic>
       <p:pic>
         <p:nvPicPr>
-          <p:cNvPr id="9" name="Рисунок 8">
-            <a:extLst>
-              <a:ext uri="{FF2B5EF4-FFF2-40B4-BE49-F238E27FC236}">
-                <a16:creationId xmlns:a16="http://schemas.microsoft.com/office/drawing/2014/main" id="{B2A5855A-1DE8-4BBD-A8FB-A83FDB42DF40}"/>
+          <p:cNvPr id="10" name="Рисунок 9">
+            <a:extLst>
+              <a:ext uri="{FF2B5EF4-FFF2-40B4-BE49-F238E27FC236}">
+                <a16:creationId xmlns:a16="http://schemas.microsoft.com/office/drawing/2014/main" id="{2ED2F86B-88E8-445B-AF99-EDCC23D0E9E2}"/>
               </a:ext>
             </a:extLst>
           </p:cNvPr>
@@ -13513,6 +16753,250 @@
   <p:clrMapOvr>
     <a:masterClrMapping/>
   </p:clrMapOvr>
+  <mc:AlternateContent xmlns:mc="http://schemas.openxmlformats.org/markup-compatibility/2006" xmlns:p14="http://schemas.microsoft.com/office/powerpoint/2010/main">
+    <mc:Choice Requires="p14">
+      <p:transition spd="slow" p14:dur="1200">
+        <p:dissolve/>
+      </p:transition>
+    </mc:Choice>
+    <mc:Fallback xmlns="">
+      <p:transition spd="slow">
+        <p:dissolve/>
+      </p:transition>
+    </mc:Fallback>
+  </mc:AlternateContent>
+  <p:timing>
+    <p:tnLst>
+      <p:par>
+        <p:cTn id="1" dur="indefinite" restart="never" nodeType="tmRoot">
+          <p:childTnLst>
+            <p:seq concurrent="1" nextAc="seek">
+              <p:cTn id="2" dur="indefinite" nodeType="mainSeq">
+                <p:childTnLst>
+                  <p:par>
+                    <p:cTn id="3" fill="hold">
+                      <p:stCondLst>
+                        <p:cond delay="indefinite"/>
+                        <p:cond evt="onBegin" delay="0">
+                          <p:tn val="2"/>
+                        </p:cond>
+                      </p:stCondLst>
+                      <p:childTnLst>
+                        <p:par>
+                          <p:cTn id="4" fill="hold">
+                            <p:stCondLst>
+                              <p:cond delay="0"/>
+                            </p:stCondLst>
+                            <p:childTnLst>
+                              <p:par>
+                                <p:cTn id="5" presetID="6" presetClass="emph" presetSubtype="0" repeatCount="indefinite" autoRev="1" fill="hold" nodeType="withEffect">
+                                  <p:stCondLst>
+                                    <p:cond delay="0"/>
+                                  </p:stCondLst>
+                                  <p:childTnLst>
+                                    <p:animScale>
+                                      <p:cBhvr>
+                                        <p:cTn id="6" dur="500" fill="hold"/>
+                                        <p:tgtEl>
+                                          <p:spTgt spid="10"/>
+                                        </p:tgtEl>
+                                      </p:cBhvr>
+                                      <p:by x="50000" y="50000"/>
+                                    </p:animScale>
+                                  </p:childTnLst>
+                                </p:cTn>
+                              </p:par>
+                              <p:par>
+                                <p:cTn id="7" presetID="53" presetClass="entr" presetSubtype="16" fill="hold" grpId="0" nodeType="withEffect">
+                                  <p:stCondLst>
+                                    <p:cond delay="0"/>
+                                  </p:stCondLst>
+                                  <p:childTnLst>
+                                    <p:set>
+                                      <p:cBhvr>
+                                        <p:cTn id="8" dur="1" fill="hold">
+                                          <p:stCondLst>
+                                            <p:cond delay="0"/>
+                                          </p:stCondLst>
+                                        </p:cTn>
+                                        <p:tgtEl>
+                                          <p:spTgt spid="5"/>
+                                        </p:tgtEl>
+                                        <p:attrNameLst>
+                                          <p:attrName>style.visibility</p:attrName>
+                                        </p:attrNameLst>
+                                      </p:cBhvr>
+                                      <p:to>
+                                        <p:strVal val="visible"/>
+                                      </p:to>
+                                    </p:set>
+                                    <p:anim calcmode="lin" valueType="num">
+                                      <p:cBhvr>
+                                        <p:cTn id="9" dur="500" fill="hold"/>
+                                        <p:tgtEl>
+                                          <p:spTgt spid="5"/>
+                                        </p:tgtEl>
+                                        <p:attrNameLst>
+                                          <p:attrName>ppt_w</p:attrName>
+                                        </p:attrNameLst>
+                                      </p:cBhvr>
+                                      <p:tavLst>
+                                        <p:tav tm="0">
+                                          <p:val>
+                                            <p:fltVal val="0"/>
+                                          </p:val>
+                                        </p:tav>
+                                        <p:tav tm="100000">
+                                          <p:val>
+                                            <p:strVal val="#ppt_w"/>
+                                          </p:val>
+                                        </p:tav>
+                                      </p:tavLst>
+                                    </p:anim>
+                                    <p:anim calcmode="lin" valueType="num">
+                                      <p:cBhvr>
+                                        <p:cTn id="10" dur="500" fill="hold"/>
+                                        <p:tgtEl>
+                                          <p:spTgt spid="5"/>
+                                        </p:tgtEl>
+                                        <p:attrNameLst>
+                                          <p:attrName>ppt_h</p:attrName>
+                                        </p:attrNameLst>
+                                      </p:cBhvr>
+                                      <p:tavLst>
+                                        <p:tav tm="0">
+                                          <p:val>
+                                            <p:fltVal val="0"/>
+                                          </p:val>
+                                        </p:tav>
+                                        <p:tav tm="100000">
+                                          <p:val>
+                                            <p:strVal val="#ppt_h"/>
+                                          </p:val>
+                                        </p:tav>
+                                      </p:tavLst>
+                                    </p:anim>
+                                    <p:animEffect transition="in" filter="fade">
+                                      <p:cBhvr>
+                                        <p:cTn id="11" dur="500"/>
+                                        <p:tgtEl>
+                                          <p:spTgt spid="5"/>
+                                        </p:tgtEl>
+                                      </p:cBhvr>
+                                    </p:animEffect>
+                                  </p:childTnLst>
+                                </p:cTn>
+                              </p:par>
+                              <p:par>
+                                <p:cTn id="12" presetID="14" presetClass="entr" presetSubtype="10" fill="hold" grpId="0" nodeType="withEffect">
+                                  <p:stCondLst>
+                                    <p:cond delay="0"/>
+                                  </p:stCondLst>
+                                  <p:childTnLst>
+                                    <p:set>
+                                      <p:cBhvr>
+                                        <p:cTn id="13" dur="1" fill="hold">
+                                          <p:stCondLst>
+                                            <p:cond delay="0"/>
+                                          </p:stCondLst>
+                                        </p:cTn>
+                                        <p:tgtEl>
+                                          <p:spTgt spid="2"/>
+                                        </p:tgtEl>
+                                        <p:attrNameLst>
+                                          <p:attrName>style.visibility</p:attrName>
+                                        </p:attrNameLst>
+                                      </p:cBhvr>
+                                      <p:to>
+                                        <p:strVal val="visible"/>
+                                      </p:to>
+                                    </p:set>
+                                    <p:animEffect transition="in" filter="randombar(horizontal)">
+                                      <p:cBhvr>
+                                        <p:cTn id="14" dur="500"/>
+                                        <p:tgtEl>
+                                          <p:spTgt spid="2"/>
+                                        </p:tgtEl>
+                                      </p:cBhvr>
+                                    </p:animEffect>
+                                  </p:childTnLst>
+                                </p:cTn>
+                              </p:par>
+                              <p:par>
+                                <p:cTn id="15" presetID="14" presetClass="entr" presetSubtype="10" fill="hold" nodeType="withEffect">
+                                  <p:stCondLst>
+                                    <p:cond delay="0"/>
+                                  </p:stCondLst>
+                                  <p:childTnLst>
+                                    <p:set>
+                                      <p:cBhvr>
+                                        <p:cTn id="16" dur="1" fill="hold">
+                                          <p:stCondLst>
+                                            <p:cond delay="0"/>
+                                          </p:stCondLst>
+                                        </p:cTn>
+                                        <p:tgtEl>
+                                          <p:spTgt spid="4">
+                                            <p:txEl>
+                                              <p:pRg st="0" end="0"/>
+                                            </p:txEl>
+                                          </p:spTgt>
+                                        </p:tgtEl>
+                                        <p:attrNameLst>
+                                          <p:attrName>style.visibility</p:attrName>
+                                        </p:attrNameLst>
+                                      </p:cBhvr>
+                                      <p:to>
+                                        <p:strVal val="visible"/>
+                                      </p:to>
+                                    </p:set>
+                                    <p:animEffect transition="in" filter="randombar(horizontal)">
+                                      <p:cBhvr>
+                                        <p:cTn id="17" dur="500"/>
+                                        <p:tgtEl>
+                                          <p:spTgt spid="4">
+                                            <p:txEl>
+                                              <p:pRg st="0" end="0"/>
+                                            </p:txEl>
+                                          </p:spTgt>
+                                        </p:tgtEl>
+                                      </p:cBhvr>
+                                    </p:animEffect>
+                                  </p:childTnLst>
+                                </p:cTn>
+                              </p:par>
+                            </p:childTnLst>
+                          </p:cTn>
+                        </p:par>
+                      </p:childTnLst>
+                    </p:cTn>
+                  </p:par>
+                </p:childTnLst>
+              </p:cTn>
+              <p:prevCondLst>
+                <p:cond evt="onPrev" delay="0">
+                  <p:tgtEl>
+                    <p:sldTgt/>
+                  </p:tgtEl>
+                </p:cond>
+              </p:prevCondLst>
+              <p:nextCondLst>
+                <p:cond evt="onNext" delay="0">
+                  <p:tgtEl>
+                    <p:sldTgt/>
+                  </p:tgtEl>
+                </p:cond>
+              </p:nextCondLst>
+            </p:seq>
+          </p:childTnLst>
+        </p:cTn>
+      </p:par>
+    </p:tnLst>
+    <p:bldLst>
+      <p:bldP spid="5" grpId="0" animBg="1"/>
+      <p:bldP spid="2" grpId="0"/>
+    </p:bldLst>
+  </p:timing>
 </p:sld>
 </file>
 
@@ -13625,19 +17109,43 @@
         </p:spPr>
         <p:txBody>
           <a:bodyPr>
-            <a:normAutofit fontScale="92500" lnSpcReduction="10000"/>
+            <a:normAutofit/>
           </a:bodyPr>
           <a:lstStyle/>
           <a:p>
             <a:r>
               <a:rPr lang="ru-RU" sz="2200" dirty="0"/>
-              <a:t>Цель курсового проекта: работа направлена на создание надежной и удобной системы контроля версий с отслеживанием изменений, возможностью отката и разрешения конфликтов. Планируется поддержка как CLI, так и GUI, интуитивно понятный интерфейс, наглядная история изменений и кроссплатформенность.</a:t>
+              <a:t>Цель курсового проекта: работа направлена на создание системы контроля версий, </a:t>
             </a:r>
-          </a:p>
-          <a:p>
+            <a:r>
+              <a:rPr lang="en-US" sz="2200" dirty="0"/>
+              <a:t>c </a:t>
+            </a:r>
             <a:r>
               <a:rPr lang="ru-RU" sz="2200" dirty="0"/>
-              <a:t>Актуальность работы: в условиях растущей сложности проектов и командной работы система контроля версий критически важна для управления изменениями, предотвращения хаоса и ошибок. Существующие решения не всегда удовлетворяют потребность в гибкости и удобстве, особенно с развитием облачных технологий. Поэтому создание современной и эффективной системы остается актуальной задачей.</a:t>
+              <a:t>возможностью отката. Планируется поддержка</a:t>
+            </a:r>
+            <a:r>
+              <a:rPr lang="en-US" sz="2200" dirty="0"/>
+              <a:t> </a:t>
+            </a:r>
+            <a:r>
+              <a:rPr lang="ru-RU" sz="2200" dirty="0"/>
+              <a:t>CLI, интуитивно понятный интерфейс</a:t>
+            </a:r>
+            <a:r>
+              <a:rPr lang="en-US" sz="2200" dirty="0"/>
+              <a:t>.</a:t>
+            </a:r>
+            <a:r>
+              <a:rPr lang="ru-RU" sz="2200" dirty="0"/>
+              <a:t> </a:t>
+            </a:r>
+          </a:p>
+          <a:p>
+            <a:r>
+              <a:rPr lang="ru-RU" sz="2200" dirty="0"/>
+              <a:t>Актуальность работы: в условиях растущей сложности проектов и командной работы система контроля версий важна для управления изменениями, предотвращения хаоса и ошибок. </a:t>
             </a:r>
           </a:p>
         </p:txBody>
@@ -13674,10 +17182,10 @@
       </p:pic>
       <p:pic>
         <p:nvPicPr>
-          <p:cNvPr id="8" name="Рисунок 7">
-            <a:extLst>
-              <a:ext uri="{FF2B5EF4-FFF2-40B4-BE49-F238E27FC236}">
-                <a16:creationId xmlns:a16="http://schemas.microsoft.com/office/drawing/2014/main" id="{49C81AE7-A611-4A8E-94C9-E306F96A19C9}"/>
+          <p:cNvPr id="7" name="Рисунок 6">
+            <a:extLst>
+              <a:ext uri="{FF2B5EF4-FFF2-40B4-BE49-F238E27FC236}">
+                <a16:creationId xmlns:a16="http://schemas.microsoft.com/office/drawing/2014/main" id="{EB6C683B-4705-4615-959B-EBF2C807DFA0}"/>
               </a:ext>
             </a:extLst>
           </p:cNvPr>
@@ -13712,6 +17220,293 @@
   <p:clrMapOvr>
     <a:masterClrMapping/>
   </p:clrMapOvr>
+  <mc:AlternateContent xmlns:mc="http://schemas.openxmlformats.org/markup-compatibility/2006" xmlns:p14="http://schemas.microsoft.com/office/powerpoint/2010/main">
+    <mc:Choice Requires="p14">
+      <p:transition spd="slow" p14:dur="1400">
+        <p14:doors dir="vert"/>
+      </p:transition>
+    </mc:Choice>
+    <mc:Fallback xmlns="">
+      <p:transition spd="slow">
+        <p:fade/>
+      </p:transition>
+    </mc:Fallback>
+  </mc:AlternateContent>
+  <p:timing>
+    <p:tnLst>
+      <p:par>
+        <p:cTn id="1" dur="indefinite" restart="never" nodeType="tmRoot">
+          <p:childTnLst>
+            <p:seq concurrent="1" nextAc="seek">
+              <p:cTn id="2" dur="indefinite" nodeType="mainSeq">
+                <p:childTnLst>
+                  <p:par>
+                    <p:cTn id="3" fill="hold">
+                      <p:stCondLst>
+                        <p:cond delay="indefinite"/>
+                        <p:cond evt="onBegin" delay="0">
+                          <p:tn val="2"/>
+                        </p:cond>
+                      </p:stCondLst>
+                      <p:childTnLst>
+                        <p:par>
+                          <p:cTn id="4" fill="hold">
+                            <p:stCondLst>
+                              <p:cond delay="0"/>
+                            </p:stCondLst>
+                            <p:childTnLst>
+                              <p:par>
+                                <p:cTn id="5" presetID="6" presetClass="emph" presetSubtype="0" repeatCount="indefinite" autoRev="1" fill="hold" nodeType="withEffect">
+                                  <p:stCondLst>
+                                    <p:cond delay="0"/>
+                                  </p:stCondLst>
+                                  <p:childTnLst>
+                                    <p:animScale>
+                                      <p:cBhvr>
+                                        <p:cTn id="6" dur="500" fill="hold"/>
+                                        <p:tgtEl>
+                                          <p:spTgt spid="7"/>
+                                        </p:tgtEl>
+                                      </p:cBhvr>
+                                      <p:by x="50000" y="50000"/>
+                                    </p:animScale>
+                                  </p:childTnLst>
+                                </p:cTn>
+                              </p:par>
+                              <p:par>
+                                <p:cTn id="7" presetID="14" presetClass="entr" presetSubtype="10" fill="hold" grpId="0" nodeType="withEffect">
+                                  <p:stCondLst>
+                                    <p:cond delay="0"/>
+                                  </p:stCondLst>
+                                  <p:childTnLst>
+                                    <p:set>
+                                      <p:cBhvr>
+                                        <p:cTn id="8" dur="1" fill="hold">
+                                          <p:stCondLst>
+                                            <p:cond delay="0"/>
+                                          </p:stCondLst>
+                                        </p:cTn>
+                                        <p:tgtEl>
+                                          <p:spTgt spid="5"/>
+                                        </p:tgtEl>
+                                        <p:attrNameLst>
+                                          <p:attrName>style.visibility</p:attrName>
+                                        </p:attrNameLst>
+                                      </p:cBhvr>
+                                      <p:to>
+                                        <p:strVal val="visible"/>
+                                      </p:to>
+                                    </p:set>
+                                    <p:animEffect transition="in" filter="randombar(horizontal)">
+                                      <p:cBhvr>
+                                        <p:cTn id="9" dur="500"/>
+                                        <p:tgtEl>
+                                          <p:spTgt spid="5"/>
+                                        </p:tgtEl>
+                                      </p:cBhvr>
+                                    </p:animEffect>
+                                  </p:childTnLst>
+                                </p:cTn>
+                              </p:par>
+                              <p:par>
+                                <p:cTn id="10" presetID="42" presetClass="entr" presetSubtype="0" fill="hold" nodeType="withEffect">
+                                  <p:stCondLst>
+                                    <p:cond delay="0"/>
+                                  </p:stCondLst>
+                                  <p:childTnLst>
+                                    <p:set>
+                                      <p:cBhvr>
+                                        <p:cTn id="11" dur="1" fill="hold">
+                                          <p:stCondLst>
+                                            <p:cond delay="0"/>
+                                          </p:stCondLst>
+                                        </p:cTn>
+                                        <p:tgtEl>
+                                          <p:spTgt spid="9"/>
+                                        </p:tgtEl>
+                                        <p:attrNameLst>
+                                          <p:attrName>style.visibility</p:attrName>
+                                        </p:attrNameLst>
+                                      </p:cBhvr>
+                                      <p:to>
+                                        <p:strVal val="visible"/>
+                                      </p:to>
+                                    </p:set>
+                                    <p:animEffect transition="in" filter="fade">
+                                      <p:cBhvr>
+                                        <p:cTn id="12" dur="1000"/>
+                                        <p:tgtEl>
+                                          <p:spTgt spid="9"/>
+                                        </p:tgtEl>
+                                      </p:cBhvr>
+                                    </p:animEffect>
+                                    <p:anim calcmode="lin" valueType="num">
+                                      <p:cBhvr>
+                                        <p:cTn id="13" dur="1000" fill="hold"/>
+                                        <p:tgtEl>
+                                          <p:spTgt spid="9"/>
+                                        </p:tgtEl>
+                                        <p:attrNameLst>
+                                          <p:attrName>ppt_x</p:attrName>
+                                        </p:attrNameLst>
+                                      </p:cBhvr>
+                                      <p:tavLst>
+                                        <p:tav tm="0">
+                                          <p:val>
+                                            <p:strVal val="#ppt_x"/>
+                                          </p:val>
+                                        </p:tav>
+                                        <p:tav tm="100000">
+                                          <p:val>
+                                            <p:strVal val="#ppt_x"/>
+                                          </p:val>
+                                        </p:tav>
+                                      </p:tavLst>
+                                    </p:anim>
+                                    <p:anim calcmode="lin" valueType="num">
+                                      <p:cBhvr>
+                                        <p:cTn id="14" dur="1000" fill="hold"/>
+                                        <p:tgtEl>
+                                          <p:spTgt spid="9"/>
+                                        </p:tgtEl>
+                                        <p:attrNameLst>
+                                          <p:attrName>ppt_y</p:attrName>
+                                        </p:attrNameLst>
+                                      </p:cBhvr>
+                                      <p:tavLst>
+                                        <p:tav tm="0">
+                                          <p:val>
+                                            <p:strVal val="#ppt_y+.1"/>
+                                          </p:val>
+                                        </p:tav>
+                                        <p:tav tm="100000">
+                                          <p:val>
+                                            <p:strVal val="#ppt_y"/>
+                                          </p:val>
+                                        </p:tav>
+                                      </p:tavLst>
+                                    </p:anim>
+                                  </p:childTnLst>
+                                </p:cTn>
+                              </p:par>
+                              <p:par>
+                                <p:cTn id="15" presetID="10" presetClass="entr" presetSubtype="0" fill="hold" grpId="0" nodeType="withEffect">
+                                  <p:stCondLst>
+                                    <p:cond delay="0"/>
+                                  </p:stCondLst>
+                                  <p:childTnLst>
+                                    <p:set>
+                                      <p:cBhvr>
+                                        <p:cTn id="16" dur="1" fill="hold">
+                                          <p:stCondLst>
+                                            <p:cond delay="0"/>
+                                          </p:stCondLst>
+                                        </p:cTn>
+                                        <p:tgtEl>
+                                          <p:spTgt spid="6">
+                                            <p:txEl>
+                                              <p:pRg st="0" end="0"/>
+                                            </p:txEl>
+                                          </p:spTgt>
+                                        </p:tgtEl>
+                                        <p:attrNameLst>
+                                          <p:attrName>style.visibility</p:attrName>
+                                        </p:attrNameLst>
+                                      </p:cBhvr>
+                                      <p:to>
+                                        <p:strVal val="visible"/>
+                                      </p:to>
+                                    </p:set>
+                                    <p:animEffect transition="in" filter="fade">
+                                      <p:cBhvr>
+                                        <p:cTn id="17" dur="500"/>
+                                        <p:tgtEl>
+                                          <p:spTgt spid="6">
+                                            <p:txEl>
+                                              <p:pRg st="0" end="0"/>
+                                            </p:txEl>
+                                          </p:spTgt>
+                                        </p:tgtEl>
+                                      </p:cBhvr>
+                                    </p:animEffect>
+                                  </p:childTnLst>
+                                </p:cTn>
+                              </p:par>
+                              <p:par>
+                                <p:cTn id="18" presetID="10" presetClass="entr" presetSubtype="0" fill="hold" grpId="0" nodeType="withEffect">
+                                  <p:stCondLst>
+                                    <p:cond delay="0"/>
+                                  </p:stCondLst>
+                                  <p:childTnLst>
+                                    <p:set>
+                                      <p:cBhvr>
+                                        <p:cTn id="19" dur="1" fill="hold">
+                                          <p:stCondLst>
+                                            <p:cond delay="0"/>
+                                          </p:stCondLst>
+                                        </p:cTn>
+                                        <p:tgtEl>
+                                          <p:spTgt spid="6">
+                                            <p:txEl>
+                                              <p:pRg st="1" end="1"/>
+                                            </p:txEl>
+                                          </p:spTgt>
+                                        </p:tgtEl>
+                                        <p:attrNameLst>
+                                          <p:attrName>style.visibility</p:attrName>
+                                        </p:attrNameLst>
+                                      </p:cBhvr>
+                                      <p:to>
+                                        <p:strVal val="visible"/>
+                                      </p:to>
+                                    </p:set>
+                                    <p:animEffect transition="in" filter="fade">
+                                      <p:cBhvr>
+                                        <p:cTn id="20" dur="500"/>
+                                        <p:tgtEl>
+                                          <p:spTgt spid="6">
+                                            <p:txEl>
+                                              <p:pRg st="1" end="1"/>
+                                            </p:txEl>
+                                          </p:spTgt>
+                                        </p:tgtEl>
+                                      </p:cBhvr>
+                                    </p:animEffect>
+                                  </p:childTnLst>
+                                </p:cTn>
+                              </p:par>
+                            </p:childTnLst>
+                          </p:cTn>
+                        </p:par>
+                      </p:childTnLst>
+                    </p:cTn>
+                  </p:par>
+                </p:childTnLst>
+              </p:cTn>
+              <p:prevCondLst>
+                <p:cond evt="onPrev" delay="0">
+                  <p:tgtEl>
+                    <p:sldTgt/>
+                  </p:tgtEl>
+                </p:cond>
+              </p:prevCondLst>
+              <p:nextCondLst>
+                <p:cond evt="onNext" delay="0">
+                  <p:tgtEl>
+                    <p:sldTgt/>
+                  </p:tgtEl>
+                </p:cond>
+              </p:nextCondLst>
+            </p:seq>
+          </p:childTnLst>
+        </p:cTn>
+      </p:par>
+    </p:tnLst>
+    <p:bldLst>
+      <p:bldP spid="5" grpId="0" animBg="1"/>
+      <p:bldP spid="6" grpId="0" uiExpand="1" build="p"/>
+    </p:bldLst>
+  </p:timing>
 </p:sld>
 </file>
 
@@ -13972,10 +17767,10 @@
       </p:sp>
       <p:pic>
         <p:nvPicPr>
-          <p:cNvPr id="7" name="Рисунок 6">
-            <a:extLst>
-              <a:ext uri="{FF2B5EF4-FFF2-40B4-BE49-F238E27FC236}">
-                <a16:creationId xmlns:a16="http://schemas.microsoft.com/office/drawing/2014/main" id="{2604A481-3CE7-48E7-BF39-EE6B99F6B7EB}"/>
+          <p:cNvPr id="8" name="Рисунок 7">
+            <a:extLst>
+              <a:ext uri="{FF2B5EF4-FFF2-40B4-BE49-F238E27FC236}">
+                <a16:creationId xmlns:a16="http://schemas.microsoft.com/office/drawing/2014/main" id="{0F1978B5-DDBC-42E9-B034-7EAC87F902B9}"/>
               </a:ext>
             </a:extLst>
           </p:cNvPr>
@@ -14010,6 +17805,278 @@
   <p:clrMapOvr>
     <a:masterClrMapping/>
   </p:clrMapOvr>
+  <p:timing>
+    <p:tnLst>
+      <p:par>
+        <p:cTn id="1" dur="indefinite" restart="never" nodeType="tmRoot">
+          <p:childTnLst>
+            <p:seq concurrent="1" nextAc="seek">
+              <p:cTn id="2" dur="indefinite" nodeType="mainSeq">
+                <p:childTnLst>
+                  <p:par>
+                    <p:cTn id="3" fill="hold">
+                      <p:stCondLst>
+                        <p:cond delay="indefinite"/>
+                        <p:cond evt="onBegin" delay="0">
+                          <p:tn val="2"/>
+                        </p:cond>
+                      </p:stCondLst>
+                      <p:childTnLst>
+                        <p:par>
+                          <p:cTn id="4" fill="hold">
+                            <p:stCondLst>
+                              <p:cond delay="0"/>
+                            </p:stCondLst>
+                            <p:childTnLst>
+                              <p:par>
+                                <p:cTn id="5" presetID="6" presetClass="emph" presetSubtype="0" repeatCount="indefinite" autoRev="1" fill="hold" nodeType="withEffect">
+                                  <p:stCondLst>
+                                    <p:cond delay="0"/>
+                                  </p:stCondLst>
+                                  <p:childTnLst>
+                                    <p:animScale>
+                                      <p:cBhvr>
+                                        <p:cTn id="6" dur="500" fill="hold"/>
+                                        <p:tgtEl>
+                                          <p:spTgt spid="8"/>
+                                        </p:tgtEl>
+                                      </p:cBhvr>
+                                      <p:by x="50000" y="50000"/>
+                                    </p:animScale>
+                                  </p:childTnLst>
+                                </p:cTn>
+                              </p:par>
+                              <p:par>
+                                <p:cTn id="7" presetID="53" presetClass="entr" presetSubtype="16" fill="hold" grpId="0" nodeType="withEffect">
+                                  <p:stCondLst>
+                                    <p:cond delay="0"/>
+                                  </p:stCondLst>
+                                  <p:childTnLst>
+                                    <p:set>
+                                      <p:cBhvr>
+                                        <p:cTn id="8" dur="1" fill="hold">
+                                          <p:stCondLst>
+                                            <p:cond delay="0"/>
+                                          </p:stCondLst>
+                                        </p:cTn>
+                                        <p:tgtEl>
+                                          <p:spTgt spid="6"/>
+                                        </p:tgtEl>
+                                        <p:attrNameLst>
+                                          <p:attrName>style.visibility</p:attrName>
+                                        </p:attrNameLst>
+                                      </p:cBhvr>
+                                      <p:to>
+                                        <p:strVal val="visible"/>
+                                      </p:to>
+                                    </p:set>
+                                    <p:anim calcmode="lin" valueType="num">
+                                      <p:cBhvr>
+                                        <p:cTn id="9" dur="500" fill="hold"/>
+                                        <p:tgtEl>
+                                          <p:spTgt spid="6"/>
+                                        </p:tgtEl>
+                                        <p:attrNameLst>
+                                          <p:attrName>ppt_w</p:attrName>
+                                        </p:attrNameLst>
+                                      </p:cBhvr>
+                                      <p:tavLst>
+                                        <p:tav tm="0">
+                                          <p:val>
+                                            <p:fltVal val="0"/>
+                                          </p:val>
+                                        </p:tav>
+                                        <p:tav tm="100000">
+                                          <p:val>
+                                            <p:strVal val="#ppt_w"/>
+                                          </p:val>
+                                        </p:tav>
+                                      </p:tavLst>
+                                    </p:anim>
+                                    <p:anim calcmode="lin" valueType="num">
+                                      <p:cBhvr>
+                                        <p:cTn id="10" dur="500" fill="hold"/>
+                                        <p:tgtEl>
+                                          <p:spTgt spid="6"/>
+                                        </p:tgtEl>
+                                        <p:attrNameLst>
+                                          <p:attrName>ppt_h</p:attrName>
+                                        </p:attrNameLst>
+                                      </p:cBhvr>
+                                      <p:tavLst>
+                                        <p:tav tm="0">
+                                          <p:val>
+                                            <p:fltVal val="0"/>
+                                          </p:val>
+                                        </p:tav>
+                                        <p:tav tm="100000">
+                                          <p:val>
+                                            <p:strVal val="#ppt_h"/>
+                                          </p:val>
+                                        </p:tav>
+                                      </p:tavLst>
+                                    </p:anim>
+                                    <p:animEffect transition="in" filter="fade">
+                                      <p:cBhvr>
+                                        <p:cTn id="11" dur="500"/>
+                                        <p:tgtEl>
+                                          <p:spTgt spid="6"/>
+                                        </p:tgtEl>
+                                      </p:cBhvr>
+                                    </p:animEffect>
+                                  </p:childTnLst>
+                                </p:cTn>
+                              </p:par>
+                              <p:par>
+                                <p:cTn id="12" presetID="14" presetClass="entr" presetSubtype="10" fill="hold" grpId="0" nodeType="withEffect">
+                                  <p:stCondLst>
+                                    <p:cond delay="0"/>
+                                  </p:stCondLst>
+                                  <p:childTnLst>
+                                    <p:set>
+                                      <p:cBhvr>
+                                        <p:cTn id="13" dur="1" fill="hold">
+                                          <p:stCondLst>
+                                            <p:cond delay="0"/>
+                                          </p:stCondLst>
+                                        </p:cTn>
+                                        <p:tgtEl>
+                                          <p:spTgt spid="5"/>
+                                        </p:tgtEl>
+                                        <p:attrNameLst>
+                                          <p:attrName>style.visibility</p:attrName>
+                                        </p:attrNameLst>
+                                      </p:cBhvr>
+                                      <p:to>
+                                        <p:strVal val="visible"/>
+                                      </p:to>
+                                    </p:set>
+                                    <p:animEffect transition="in" filter="randombar(horizontal)">
+                                      <p:cBhvr>
+                                        <p:cTn id="14" dur="500"/>
+                                        <p:tgtEl>
+                                          <p:spTgt spid="5"/>
+                                        </p:tgtEl>
+                                      </p:cBhvr>
+                                    </p:animEffect>
+                                  </p:childTnLst>
+                                </p:cTn>
+                              </p:par>
+                              <p:par>
+                                <p:cTn id="15" presetID="14" presetClass="entr" presetSubtype="10" fill="hold" grpId="0" nodeType="withEffect">
+                                  <p:stCondLst>
+                                    <p:cond delay="0"/>
+                                  </p:stCondLst>
+                                  <p:childTnLst>
+                                    <p:set>
+                                      <p:cBhvr>
+                                        <p:cTn id="16" dur="1" fill="hold">
+                                          <p:stCondLst>
+                                            <p:cond delay="0"/>
+                                          </p:stCondLst>
+                                        </p:cTn>
+                                        <p:tgtEl>
+                                          <p:spTgt spid="4">
+                                            <p:bg/>
+                                          </p:spTgt>
+                                        </p:tgtEl>
+                                        <p:attrNameLst>
+                                          <p:attrName>style.visibility</p:attrName>
+                                        </p:attrNameLst>
+                                      </p:cBhvr>
+                                      <p:to>
+                                        <p:strVal val="visible"/>
+                                      </p:to>
+                                    </p:set>
+                                    <p:animEffect transition="in" filter="randombar(horizontal)">
+                                      <p:cBhvr>
+                                        <p:cTn id="17" dur="500"/>
+                                        <p:tgtEl>
+                                          <p:spTgt spid="4">
+                                            <p:bg/>
+                                          </p:spTgt>
+                                        </p:tgtEl>
+                                      </p:cBhvr>
+                                    </p:animEffect>
+                                  </p:childTnLst>
+                                </p:cTn>
+                              </p:par>
+                              <p:par>
+                                <p:cTn id="18" presetID="14" presetClass="entr" presetSubtype="10" fill="hold" grpId="0" nodeType="withEffect">
+                                  <p:stCondLst>
+                                    <p:cond delay="0"/>
+                                  </p:stCondLst>
+                                  <p:childTnLst>
+                                    <p:set>
+                                      <p:cBhvr>
+                                        <p:cTn id="19" dur="1" fill="hold">
+                                          <p:stCondLst>
+                                            <p:cond delay="0"/>
+                                          </p:stCondLst>
+                                        </p:cTn>
+                                        <p:tgtEl>
+                                          <p:spTgt spid="4">
+                                            <p:txEl>
+                                              <p:pRg st="0" end="0"/>
+                                            </p:txEl>
+                                          </p:spTgt>
+                                        </p:tgtEl>
+                                        <p:attrNameLst>
+                                          <p:attrName>style.visibility</p:attrName>
+                                        </p:attrNameLst>
+                                      </p:cBhvr>
+                                      <p:to>
+                                        <p:strVal val="visible"/>
+                                      </p:to>
+                                    </p:set>
+                                    <p:animEffect transition="in" filter="randombar(horizontal)">
+                                      <p:cBhvr>
+                                        <p:cTn id="20" dur="500"/>
+                                        <p:tgtEl>
+                                          <p:spTgt spid="4">
+                                            <p:txEl>
+                                              <p:pRg st="0" end="0"/>
+                                            </p:txEl>
+                                          </p:spTgt>
+                                        </p:tgtEl>
+                                      </p:cBhvr>
+                                    </p:animEffect>
+                                  </p:childTnLst>
+                                </p:cTn>
+                              </p:par>
+                            </p:childTnLst>
+                          </p:cTn>
+                        </p:par>
+                      </p:childTnLst>
+                    </p:cTn>
+                  </p:par>
+                </p:childTnLst>
+              </p:cTn>
+              <p:prevCondLst>
+                <p:cond evt="onPrev" delay="0">
+                  <p:tgtEl>
+                    <p:sldTgt/>
+                  </p:tgtEl>
+                </p:cond>
+              </p:prevCondLst>
+              <p:nextCondLst>
+                <p:cond evt="onNext" delay="0">
+                  <p:tgtEl>
+                    <p:sldTgt/>
+                  </p:tgtEl>
+                </p:cond>
+              </p:nextCondLst>
+            </p:seq>
+          </p:childTnLst>
+        </p:cTn>
+      </p:par>
+    </p:tnLst>
+    <p:bldLst>
+      <p:bldP spid="6" grpId="0" animBg="1"/>
+      <p:bldP spid="4" grpId="0" uiExpand="1" build="p" animBg="1"/>
+      <p:bldP spid="5" grpId="0"/>
+    </p:bldLst>
+  </p:timing>
 </p:sld>
 </file>
 
@@ -14124,7 +18191,7 @@
           <a:p>
             <a:r>
               <a:rPr lang="ru-RU" sz="2200" dirty="0"/>
-              <a:t>Обоснование выбора средств разработки</a:t>
+              <a:t>Средства разработки</a:t>
             </a:r>
             <a:r>
               <a:rPr lang="en-US" sz="2200" dirty="0"/>
@@ -14132,17 +18199,17 @@
             </a:r>
             <a:r>
               <a:rPr lang="ru-RU" sz="2200" dirty="0"/>
-              <a:t>Для разработки выбраны C# и .NET благодаря их высокой производительности, надежности и развитой экосистеме. Они обеспечивают удобную работу с файлами, поддержку CLI и GUI, а также позволяют эффективно разрабатывать систему контроля версий. Дополнительным фактором является опыт работы с этой платформой.</a:t>
+              <a:t>C# и .NET. Они обеспечивают удобную работу с файлами, поддержку CLI, а также позволяют эффективно разрабатывать систему контроля версий. Основным фактором является опыт работы с этой платформой.</a:t>
             </a:r>
           </a:p>
         </p:txBody>
       </p:sp>
       <p:pic>
         <p:nvPicPr>
-          <p:cNvPr id="7" name="Рисунок 6">
-            <a:extLst>
-              <a:ext uri="{FF2B5EF4-FFF2-40B4-BE49-F238E27FC236}">
-                <a16:creationId xmlns:a16="http://schemas.microsoft.com/office/drawing/2014/main" id="{F8FFAF64-AF25-4618-9ED2-81C3A10CA62C}"/>
+          <p:cNvPr id="8" name="Рисунок 7">
+            <a:extLst>
+              <a:ext uri="{FF2B5EF4-FFF2-40B4-BE49-F238E27FC236}">
+                <a16:creationId xmlns:a16="http://schemas.microsoft.com/office/drawing/2014/main" id="{3B4CC371-9CD6-480A-99B8-3053963BCC94}"/>
               </a:ext>
             </a:extLst>
           </p:cNvPr>
@@ -14177,6 +18244,331 @@
   <p:clrMapOvr>
     <a:masterClrMapping/>
   </p:clrMapOvr>
+  <mc:AlternateContent xmlns:mc="http://schemas.openxmlformats.org/markup-compatibility/2006">
+    <mc:Choice xmlns:p14="http://schemas.microsoft.com/office/powerpoint/2010/main" Requires="p14">
+      <p:transition spd="slow" p14:dur="1200">
+        <p14:prism/>
+      </p:transition>
+    </mc:Choice>
+    <mc:Fallback>
+      <p:transition spd="slow">
+        <p:fade/>
+      </p:transition>
+    </mc:Fallback>
+  </mc:AlternateContent>
+  <p:timing>
+    <p:tnLst>
+      <p:par>
+        <p:cTn id="1" dur="indefinite" restart="never" nodeType="tmRoot">
+          <p:childTnLst>
+            <p:seq concurrent="1" nextAc="seek">
+              <p:cTn id="2" dur="indefinite" nodeType="mainSeq">
+                <p:childTnLst>
+                  <p:par>
+                    <p:cTn id="3" fill="hold">
+                      <p:stCondLst>
+                        <p:cond delay="indefinite"/>
+                        <p:cond evt="onBegin" delay="0">
+                          <p:tn val="2"/>
+                        </p:cond>
+                      </p:stCondLst>
+                      <p:childTnLst>
+                        <p:par>
+                          <p:cTn id="4" fill="hold">
+                            <p:stCondLst>
+                              <p:cond delay="0"/>
+                            </p:stCondLst>
+                            <p:childTnLst>
+                              <p:par>
+                                <p:cTn id="5" presetID="6" presetClass="emph" presetSubtype="0" repeatCount="indefinite" autoRev="1" fill="hold" nodeType="withEffect">
+                                  <p:stCondLst>
+                                    <p:cond delay="0"/>
+                                  </p:stCondLst>
+                                  <p:childTnLst>
+                                    <p:animScale>
+                                      <p:cBhvr>
+                                        <p:cTn id="6" dur="500" fill="hold"/>
+                                        <p:tgtEl>
+                                          <p:spTgt spid="8"/>
+                                        </p:tgtEl>
+                                      </p:cBhvr>
+                                      <p:by x="50000" y="50000"/>
+                                    </p:animScale>
+                                  </p:childTnLst>
+                                </p:cTn>
+                              </p:par>
+                              <p:par>
+                                <p:cTn id="7" presetID="6" presetClass="entr" presetSubtype="16" fill="hold" grpId="0" nodeType="withEffect">
+                                  <p:stCondLst>
+                                    <p:cond delay="0"/>
+                                  </p:stCondLst>
+                                  <p:childTnLst>
+                                    <p:set>
+                                      <p:cBhvr>
+                                        <p:cTn id="8" dur="1" fill="hold">
+                                          <p:stCondLst>
+                                            <p:cond delay="0"/>
+                                          </p:stCondLst>
+                                        </p:cTn>
+                                        <p:tgtEl>
+                                          <p:spTgt spid="5"/>
+                                        </p:tgtEl>
+                                        <p:attrNameLst>
+                                          <p:attrName>style.visibility</p:attrName>
+                                        </p:attrNameLst>
+                                      </p:cBhvr>
+                                      <p:to>
+                                        <p:strVal val="visible"/>
+                                      </p:to>
+                                    </p:set>
+                                    <p:animEffect transition="in" filter="circle(in)">
+                                      <p:cBhvr>
+                                        <p:cTn id="9" dur="2000"/>
+                                        <p:tgtEl>
+                                          <p:spTgt spid="5"/>
+                                        </p:tgtEl>
+                                      </p:cBhvr>
+                                    </p:animEffect>
+                                  </p:childTnLst>
+                                </p:cTn>
+                              </p:par>
+                              <p:par>
+                                <p:cTn id="10" presetID="31" presetClass="entr" presetSubtype="0" fill="hold" grpId="0" nodeType="withEffect">
+                                  <p:stCondLst>
+                                    <p:cond delay="0"/>
+                                  </p:stCondLst>
+                                  <p:childTnLst>
+                                    <p:set>
+                                      <p:cBhvr>
+                                        <p:cTn id="11" dur="1" fill="hold">
+                                          <p:stCondLst>
+                                            <p:cond delay="0"/>
+                                          </p:stCondLst>
+                                        </p:cTn>
+                                        <p:tgtEl>
+                                          <p:spTgt spid="6">
+                                            <p:txEl>
+                                              <p:pRg st="0" end="0"/>
+                                            </p:txEl>
+                                          </p:spTgt>
+                                        </p:tgtEl>
+                                        <p:attrNameLst>
+                                          <p:attrName>style.visibility</p:attrName>
+                                        </p:attrNameLst>
+                                      </p:cBhvr>
+                                      <p:to>
+                                        <p:strVal val="visible"/>
+                                      </p:to>
+                                    </p:set>
+                                    <p:anim calcmode="lin" valueType="num">
+                                      <p:cBhvr>
+                                        <p:cTn id="12" dur="1000" fill="hold"/>
+                                        <p:tgtEl>
+                                          <p:spTgt spid="6">
+                                            <p:txEl>
+                                              <p:pRg st="0" end="0"/>
+                                            </p:txEl>
+                                          </p:spTgt>
+                                        </p:tgtEl>
+                                        <p:attrNameLst>
+                                          <p:attrName>ppt_w</p:attrName>
+                                        </p:attrNameLst>
+                                      </p:cBhvr>
+                                      <p:tavLst>
+                                        <p:tav tm="0">
+                                          <p:val>
+                                            <p:fltVal val="0"/>
+                                          </p:val>
+                                        </p:tav>
+                                        <p:tav tm="100000">
+                                          <p:val>
+                                            <p:strVal val="#ppt_w"/>
+                                          </p:val>
+                                        </p:tav>
+                                      </p:tavLst>
+                                    </p:anim>
+                                    <p:anim calcmode="lin" valueType="num">
+                                      <p:cBhvr>
+                                        <p:cTn id="13" dur="1000" fill="hold"/>
+                                        <p:tgtEl>
+                                          <p:spTgt spid="6">
+                                            <p:txEl>
+                                              <p:pRg st="0" end="0"/>
+                                            </p:txEl>
+                                          </p:spTgt>
+                                        </p:tgtEl>
+                                        <p:attrNameLst>
+                                          <p:attrName>ppt_h</p:attrName>
+                                        </p:attrNameLst>
+                                      </p:cBhvr>
+                                      <p:tavLst>
+                                        <p:tav tm="0">
+                                          <p:val>
+                                            <p:fltVal val="0"/>
+                                          </p:val>
+                                        </p:tav>
+                                        <p:tav tm="100000">
+                                          <p:val>
+                                            <p:strVal val="#ppt_h"/>
+                                          </p:val>
+                                        </p:tav>
+                                      </p:tavLst>
+                                    </p:anim>
+                                    <p:anim calcmode="lin" valueType="num">
+                                      <p:cBhvr>
+                                        <p:cTn id="14" dur="1000" fill="hold"/>
+                                        <p:tgtEl>
+                                          <p:spTgt spid="6">
+                                            <p:txEl>
+                                              <p:pRg st="0" end="0"/>
+                                            </p:txEl>
+                                          </p:spTgt>
+                                        </p:tgtEl>
+                                        <p:attrNameLst>
+                                          <p:attrName>style.rotation</p:attrName>
+                                        </p:attrNameLst>
+                                      </p:cBhvr>
+                                      <p:tavLst>
+                                        <p:tav tm="0">
+                                          <p:val>
+                                            <p:fltVal val="90"/>
+                                          </p:val>
+                                        </p:tav>
+                                        <p:tav tm="100000">
+                                          <p:val>
+                                            <p:fltVal val="0"/>
+                                          </p:val>
+                                        </p:tav>
+                                      </p:tavLst>
+                                    </p:anim>
+                                    <p:animEffect transition="in" filter="fade">
+                                      <p:cBhvr>
+                                        <p:cTn id="15" dur="1000"/>
+                                        <p:tgtEl>
+                                          <p:spTgt spid="6">
+                                            <p:txEl>
+                                              <p:pRg st="0" end="0"/>
+                                            </p:txEl>
+                                          </p:spTgt>
+                                        </p:tgtEl>
+                                      </p:cBhvr>
+                                    </p:animEffect>
+                                  </p:childTnLst>
+                                </p:cTn>
+                              </p:par>
+                              <p:par>
+                                <p:cTn id="16" presetID="45" presetClass="entr" presetSubtype="0" fill="hold" nodeType="withEffect">
+                                  <p:stCondLst>
+                                    <p:cond delay="0"/>
+                                  </p:stCondLst>
+                                  <p:childTnLst>
+                                    <p:set>
+                                      <p:cBhvr>
+                                        <p:cTn id="17" dur="1" fill="hold">
+                                          <p:stCondLst>
+                                            <p:cond delay="0"/>
+                                          </p:stCondLst>
+                                        </p:cTn>
+                                        <p:tgtEl>
+                                          <p:spTgt spid="9"/>
+                                        </p:tgtEl>
+                                        <p:attrNameLst>
+                                          <p:attrName>style.visibility</p:attrName>
+                                        </p:attrNameLst>
+                                      </p:cBhvr>
+                                      <p:to>
+                                        <p:strVal val="visible"/>
+                                      </p:to>
+                                    </p:set>
+                                    <p:animEffect transition="in" filter="fade">
+                                      <p:cBhvr>
+                                        <p:cTn id="18" dur="2000"/>
+                                        <p:tgtEl>
+                                          <p:spTgt spid="9"/>
+                                        </p:tgtEl>
+                                      </p:cBhvr>
+                                    </p:animEffect>
+                                    <p:anim calcmode="lin" valueType="num">
+                                      <p:cBhvr>
+                                        <p:cTn id="19" dur="2000" fill="hold"/>
+                                        <p:tgtEl>
+                                          <p:spTgt spid="9"/>
+                                        </p:tgtEl>
+                                        <p:attrNameLst>
+                                          <p:attrName>ppt_w</p:attrName>
+                                        </p:attrNameLst>
+                                      </p:cBhvr>
+                                      <p:tavLst>
+                                        <p:tav tm="0" fmla="#ppt_w*sin(2.5*pi*$)">
+                                          <p:val>
+                                            <p:fltVal val="0"/>
+                                          </p:val>
+                                        </p:tav>
+                                        <p:tav tm="100000">
+                                          <p:val>
+                                            <p:fltVal val="1"/>
+                                          </p:val>
+                                        </p:tav>
+                                      </p:tavLst>
+                                    </p:anim>
+                                    <p:anim calcmode="lin" valueType="num">
+                                      <p:cBhvr>
+                                        <p:cTn id="20" dur="2000" fill="hold"/>
+                                        <p:tgtEl>
+                                          <p:spTgt spid="9"/>
+                                        </p:tgtEl>
+                                        <p:attrNameLst>
+                                          <p:attrName>ppt_h</p:attrName>
+                                        </p:attrNameLst>
+                                      </p:cBhvr>
+                                      <p:tavLst>
+                                        <p:tav tm="0">
+                                          <p:val>
+                                            <p:strVal val="#ppt_h"/>
+                                          </p:val>
+                                        </p:tav>
+                                        <p:tav tm="100000">
+                                          <p:val>
+                                            <p:strVal val="#ppt_h"/>
+                                          </p:val>
+                                        </p:tav>
+                                      </p:tavLst>
+                                    </p:anim>
+                                  </p:childTnLst>
+                                </p:cTn>
+                              </p:par>
+                            </p:childTnLst>
+                          </p:cTn>
+                        </p:par>
+                      </p:childTnLst>
+                    </p:cTn>
+                  </p:par>
+                </p:childTnLst>
+              </p:cTn>
+              <p:prevCondLst>
+                <p:cond evt="onPrev" delay="0">
+                  <p:tgtEl>
+                    <p:sldTgt/>
+                  </p:tgtEl>
+                </p:cond>
+              </p:prevCondLst>
+              <p:nextCondLst>
+                <p:cond evt="onNext" delay="0">
+                  <p:tgtEl>
+                    <p:sldTgt/>
+                  </p:tgtEl>
+                </p:cond>
+              </p:nextCondLst>
+            </p:seq>
+          </p:childTnLst>
+        </p:cTn>
+      </p:par>
+    </p:tnLst>
+    <p:bldLst>
+      <p:bldP spid="5" grpId="0" animBg="1"/>
+      <p:bldP spid="6" grpId="0" build="p"/>
+    </p:bldLst>
+  </p:timing>
 </p:sld>
 </file>
 
@@ -14444,6 +18836,18 @@
   <p:clrMapOvr>
     <a:masterClrMapping/>
   </p:clrMapOvr>
+  <mc:AlternateContent xmlns:mc="http://schemas.openxmlformats.org/markup-compatibility/2006">
+    <mc:Choice xmlns:p14="http://schemas.microsoft.com/office/powerpoint/2010/main" Requires="p14">
+      <p:transition spd="slow" p14:dur="1600">
+        <p14:prism isContent="1" isInverted="1"/>
+      </p:transition>
+    </mc:Choice>
+    <mc:Fallback>
+      <p:transition spd="slow">
+        <p:fade/>
+      </p:transition>
+    </mc:Fallback>
+  </mc:AlternateContent>
 </p:sld>
 </file>
 
